--- a/Lectures/Lecture 12 - Combinatorics.pptx
+++ b/Lectures/Lecture 12 - Combinatorics.pptx
@@ -8,8 +8,15 @@
     <p:sldId id="256" r:id="rId2"/>
     <p:sldId id="257" r:id="rId3"/>
     <p:sldId id="258" r:id="rId4"/>
-    <p:sldId id="259" r:id="rId5"/>
-    <p:sldId id="260" r:id="rId6"/>
+    <p:sldId id="260" r:id="rId5"/>
+    <p:sldId id="259" r:id="rId6"/>
+    <p:sldId id="261" r:id="rId7"/>
+    <p:sldId id="262" r:id="rId8"/>
+    <p:sldId id="263" r:id="rId9"/>
+    <p:sldId id="264" r:id="rId10"/>
+    <p:sldId id="265" r:id="rId11"/>
+    <p:sldId id="266" r:id="rId12"/>
+    <p:sldId id="267" r:id="rId13"/>
   </p:sldIdLst>
   <p:sldSz cx="12192000" cy="6858000"/>
   <p:notesSz cx="6858000" cy="9144000"/>
@@ -173,7 +180,7 @@
           <a:noFill/>
           <a:extLst>
             <a:ext uri="{909E8E84-426E-40dd-AFC4-6F175D3DCCD1}">
-              <a14:hiddenFill xmlns="" xmlns:a14="http://schemas.microsoft.com/office/drawing/2010/main">
+              <a14:hiddenFill xmlns:a14="http://schemas.microsoft.com/office/drawing/2010/main" xmlns="">
                 <a:solidFill>
                   <a:srgbClr val="FFFFFF"/>
                 </a:solidFill>
@@ -232,7 +239,7 @@
             </a:ln>
             <a:extLst>
               <a:ext uri="{91240B29-F687-4f45-9708-019B960494DF}">
-                <a14:hiddenLine xmlns="" xmlns:a14="http://schemas.microsoft.com/office/drawing/2010/main" w="9525">
+                <a14:hiddenLine xmlns:a14="http://schemas.microsoft.com/office/drawing/2010/main" xmlns="" w="9525">
                   <a:solidFill>
                     <a:srgbClr val="000000"/>
                   </a:solidFill>
@@ -322,7 +329,7 @@
             </a:ln>
             <a:extLst>
               <a:ext uri="{91240B29-F687-4f45-9708-019B960494DF}">
-                <a14:hiddenLine xmlns="" xmlns:a14="http://schemas.microsoft.com/office/drawing/2010/main" w="9525">
+                <a14:hiddenLine xmlns:a14="http://schemas.microsoft.com/office/drawing/2010/main" xmlns="" w="9525">
                   <a:solidFill>
                     <a:srgbClr val="000000"/>
                   </a:solidFill>
@@ -412,7 +419,7 @@
             </a:ln>
             <a:extLst>
               <a:ext uri="{91240B29-F687-4f45-9708-019B960494DF}">
-                <a14:hiddenLine xmlns="" xmlns:a14="http://schemas.microsoft.com/office/drawing/2010/main" w="9525">
+                <a14:hiddenLine xmlns:a14="http://schemas.microsoft.com/office/drawing/2010/main" xmlns="" w="9525">
                   <a:solidFill>
                     <a:srgbClr val="000000"/>
                   </a:solidFill>
@@ -446,7 +453,7 @@
             </a:ln>
             <a:extLst>
               <a:ext uri="{91240B29-F687-4f45-9708-019B960494DF}">
-                <a14:hiddenLine xmlns="" xmlns:a14="http://schemas.microsoft.com/office/drawing/2010/main" w="9525">
+                <a14:hiddenLine xmlns:a14="http://schemas.microsoft.com/office/drawing/2010/main" xmlns="" w="9525">
                   <a:solidFill>
                     <a:srgbClr val="000000"/>
                   </a:solidFill>
@@ -536,7 +543,7 @@
             </a:ln>
             <a:extLst>
               <a:ext uri="{91240B29-F687-4f45-9708-019B960494DF}">
-                <a14:hiddenLine xmlns="" xmlns:a14="http://schemas.microsoft.com/office/drawing/2010/main" w="9525">
+                <a14:hiddenLine xmlns:a14="http://schemas.microsoft.com/office/drawing/2010/main" xmlns="" w="9525">
                   <a:solidFill>
                     <a:srgbClr val="000000"/>
                   </a:solidFill>
@@ -598,7 +605,7 @@
             </a:ln>
             <a:extLst>
               <a:ext uri="{91240B29-F687-4f45-9708-019B960494DF}">
-                <a14:hiddenLine xmlns="" xmlns:a14="http://schemas.microsoft.com/office/drawing/2010/main" w="9525">
+                <a14:hiddenLine xmlns:a14="http://schemas.microsoft.com/office/drawing/2010/main" xmlns="" w="9525">
                   <a:solidFill>
                     <a:srgbClr val="000000"/>
                   </a:solidFill>
@@ -660,7 +667,7 @@
             </a:ln>
             <a:extLst>
               <a:ext uri="{91240B29-F687-4f45-9708-019B960494DF}">
-                <a14:hiddenLine xmlns="" xmlns:a14="http://schemas.microsoft.com/office/drawing/2010/main" w="9525">
+                <a14:hiddenLine xmlns:a14="http://schemas.microsoft.com/office/drawing/2010/main" xmlns="" w="9525">
                   <a:solidFill>
                     <a:srgbClr val="000000"/>
                   </a:solidFill>
@@ -750,7 +757,7 @@
             </a:ln>
             <a:extLst>
               <a:ext uri="{91240B29-F687-4f45-9708-019B960494DF}">
-                <a14:hiddenLine xmlns="" xmlns:a14="http://schemas.microsoft.com/office/drawing/2010/main" w="9525">
+                <a14:hiddenLine xmlns:a14="http://schemas.microsoft.com/office/drawing/2010/main" xmlns="" w="9525">
                   <a:solidFill>
                     <a:srgbClr val="000000"/>
                   </a:solidFill>
@@ -812,7 +819,7 @@
             </a:ln>
             <a:extLst>
               <a:ext uri="{91240B29-F687-4f45-9708-019B960494DF}">
-                <a14:hiddenLine xmlns="" xmlns:a14="http://schemas.microsoft.com/office/drawing/2010/main" w="9525">
+                <a14:hiddenLine xmlns:a14="http://schemas.microsoft.com/office/drawing/2010/main" xmlns="" w="9525">
                   <a:solidFill>
                     <a:srgbClr val="000000"/>
                   </a:solidFill>
@@ -874,7 +881,7 @@
             </a:ln>
             <a:extLst>
               <a:ext uri="{91240B29-F687-4f45-9708-019B960494DF}">
-                <a14:hiddenLine xmlns="" xmlns:a14="http://schemas.microsoft.com/office/drawing/2010/main" w="9525">
+                <a14:hiddenLine xmlns:a14="http://schemas.microsoft.com/office/drawing/2010/main" xmlns="" w="9525">
                   <a:solidFill>
                     <a:srgbClr val="000000"/>
                   </a:solidFill>
@@ -964,7 +971,7 @@
             </a:ln>
             <a:extLst>
               <a:ext uri="{91240B29-F687-4f45-9708-019B960494DF}">
-                <a14:hiddenLine xmlns="" xmlns:a14="http://schemas.microsoft.com/office/drawing/2010/main" w="9525">
+                <a14:hiddenLine xmlns:a14="http://schemas.microsoft.com/office/drawing/2010/main" xmlns="" w="9525">
                   <a:solidFill>
                     <a:srgbClr val="000000"/>
                   </a:solidFill>
@@ -1054,7 +1061,7 @@
             </a:ln>
             <a:extLst>
               <a:ext uri="{91240B29-F687-4f45-9708-019B960494DF}">
-                <a14:hiddenLine xmlns="" xmlns:a14="http://schemas.microsoft.com/office/drawing/2010/main" w="9525">
+                <a14:hiddenLine xmlns:a14="http://schemas.microsoft.com/office/drawing/2010/main" xmlns="" w="9525">
                   <a:solidFill>
                     <a:srgbClr val="000000"/>
                   </a:solidFill>
@@ -1116,7 +1123,7 @@
             </a:ln>
             <a:extLst>
               <a:ext uri="{91240B29-F687-4f45-9708-019B960494DF}">
-                <a14:hiddenLine xmlns="" xmlns:a14="http://schemas.microsoft.com/office/drawing/2010/main" w="9525">
+                <a14:hiddenLine xmlns:a14="http://schemas.microsoft.com/office/drawing/2010/main" xmlns="" w="9525">
                   <a:solidFill>
                     <a:srgbClr val="000000"/>
                   </a:solidFill>
@@ -1226,7 +1233,7 @@
             </a:ln>
             <a:extLst>
               <a:ext uri="{91240B29-F687-4f45-9708-019B960494DF}">
-                <a14:hiddenLine xmlns="" xmlns:a14="http://schemas.microsoft.com/office/drawing/2010/main" w="9525">
+                <a14:hiddenLine xmlns:a14="http://schemas.microsoft.com/office/drawing/2010/main" xmlns="" w="9525">
                   <a:solidFill>
                     <a:srgbClr val="000000"/>
                   </a:solidFill>
@@ -1288,7 +1295,7 @@
             </a:ln>
             <a:extLst>
               <a:ext uri="{91240B29-F687-4f45-9708-019B960494DF}">
-                <a14:hiddenLine xmlns="" xmlns:a14="http://schemas.microsoft.com/office/drawing/2010/main" w="9525">
+                <a14:hiddenLine xmlns:a14="http://schemas.microsoft.com/office/drawing/2010/main" xmlns="" w="9525">
                   <a:solidFill>
                     <a:srgbClr val="000000"/>
                   </a:solidFill>
@@ -1378,7 +1385,7 @@
             </a:ln>
             <a:extLst>
               <a:ext uri="{91240B29-F687-4f45-9708-019B960494DF}">
-                <a14:hiddenLine xmlns="" xmlns:a14="http://schemas.microsoft.com/office/drawing/2010/main" w="9525">
+                <a14:hiddenLine xmlns:a14="http://schemas.microsoft.com/office/drawing/2010/main" xmlns="" w="9525">
                   <a:solidFill>
                     <a:srgbClr val="000000"/>
                   </a:solidFill>
@@ -1468,7 +1475,7 @@
             </a:ln>
             <a:extLst>
               <a:ext uri="{91240B29-F687-4f45-9708-019B960494DF}">
-                <a14:hiddenLine xmlns="" xmlns:a14="http://schemas.microsoft.com/office/drawing/2010/main" w="9525">
+                <a14:hiddenLine xmlns:a14="http://schemas.microsoft.com/office/drawing/2010/main" xmlns="" w="9525">
                   <a:solidFill>
                     <a:srgbClr val="000000"/>
                   </a:solidFill>
@@ -1530,7 +1537,7 @@
             </a:ln>
             <a:extLst>
               <a:ext uri="{91240B29-F687-4f45-9708-019B960494DF}">
-                <a14:hiddenLine xmlns="" xmlns:a14="http://schemas.microsoft.com/office/drawing/2010/main" w="9525">
+                <a14:hiddenLine xmlns:a14="http://schemas.microsoft.com/office/drawing/2010/main" xmlns="" w="9525">
                   <a:solidFill>
                     <a:srgbClr val="000000"/>
                   </a:solidFill>
@@ -1620,7 +1627,7 @@
             </a:ln>
             <a:extLst>
               <a:ext uri="{91240B29-F687-4f45-9708-019B960494DF}">
-                <a14:hiddenLine xmlns="" xmlns:a14="http://schemas.microsoft.com/office/drawing/2010/main" w="9525">
+                <a14:hiddenLine xmlns:a14="http://schemas.microsoft.com/office/drawing/2010/main" xmlns="" w="9525">
                   <a:solidFill>
                     <a:srgbClr val="000000"/>
                   </a:solidFill>
@@ -1710,7 +1717,7 @@
             </a:ln>
             <a:extLst>
               <a:ext uri="{91240B29-F687-4f45-9708-019B960494DF}">
-                <a14:hiddenLine xmlns="" xmlns:a14="http://schemas.microsoft.com/office/drawing/2010/main" w="9525">
+                <a14:hiddenLine xmlns:a14="http://schemas.microsoft.com/office/drawing/2010/main" xmlns="" w="9525">
                   <a:solidFill>
                     <a:srgbClr val="000000"/>
                   </a:solidFill>
@@ -1766,7 +1773,7 @@
             </a:ln>
             <a:extLst>
               <a:ext uri="{91240B29-F687-4f45-9708-019B960494DF}">
-                <a14:hiddenLine xmlns="" xmlns:a14="http://schemas.microsoft.com/office/drawing/2010/main" w="9525">
+                <a14:hiddenLine xmlns:a14="http://schemas.microsoft.com/office/drawing/2010/main" xmlns="" w="9525">
                   <a:solidFill>
                     <a:srgbClr val="000000"/>
                   </a:solidFill>
@@ -1856,7 +1863,7 @@
             </a:ln>
             <a:extLst>
               <a:ext uri="{91240B29-F687-4f45-9708-019B960494DF}">
-                <a14:hiddenLine xmlns="" xmlns:a14="http://schemas.microsoft.com/office/drawing/2010/main" w="9525">
+                <a14:hiddenLine xmlns:a14="http://schemas.microsoft.com/office/drawing/2010/main" xmlns="" w="9525">
                   <a:solidFill>
                     <a:srgbClr val="000000"/>
                   </a:solidFill>
@@ -1912,7 +1919,7 @@
             </a:ln>
             <a:extLst>
               <a:ext uri="{91240B29-F687-4f45-9708-019B960494DF}">
-                <a14:hiddenLine xmlns="" xmlns:a14="http://schemas.microsoft.com/office/drawing/2010/main" w="9525">
+                <a14:hiddenLine xmlns:a14="http://schemas.microsoft.com/office/drawing/2010/main" xmlns="" w="9525">
                   <a:solidFill>
                     <a:srgbClr val="000000"/>
                   </a:solidFill>
@@ -2002,7 +2009,7 @@
             </a:ln>
             <a:extLst>
               <a:ext uri="{91240B29-F687-4f45-9708-019B960494DF}">
-                <a14:hiddenLine xmlns="" xmlns:a14="http://schemas.microsoft.com/office/drawing/2010/main" w="9525">
+                <a14:hiddenLine xmlns:a14="http://schemas.microsoft.com/office/drawing/2010/main" xmlns="" w="9525">
                   <a:solidFill>
                     <a:srgbClr val="000000"/>
                   </a:solidFill>
@@ -2070,7 +2077,7 @@
             </a:ln>
             <a:extLst>
               <a:ext uri="{91240B29-F687-4f45-9708-019B960494DF}">
-                <a14:hiddenLine xmlns="" xmlns:a14="http://schemas.microsoft.com/office/drawing/2010/main" w="9525">
+                <a14:hiddenLine xmlns:a14="http://schemas.microsoft.com/office/drawing/2010/main" xmlns="" w="9525">
                   <a:solidFill>
                     <a:srgbClr val="000000"/>
                   </a:solidFill>
@@ -2160,7 +2167,7 @@
             </a:ln>
             <a:extLst>
               <a:ext uri="{91240B29-F687-4f45-9708-019B960494DF}">
-                <a14:hiddenLine xmlns="" xmlns:a14="http://schemas.microsoft.com/office/drawing/2010/main" w="9525">
+                <a14:hiddenLine xmlns:a14="http://schemas.microsoft.com/office/drawing/2010/main" xmlns="" w="9525">
                   <a:solidFill>
                     <a:srgbClr val="000000"/>
                   </a:solidFill>
@@ -2228,7 +2235,7 @@
             </a:ln>
             <a:extLst>
               <a:ext uri="{91240B29-F687-4f45-9708-019B960494DF}">
-                <a14:hiddenLine xmlns="" xmlns:a14="http://schemas.microsoft.com/office/drawing/2010/main" w="9525">
+                <a14:hiddenLine xmlns:a14="http://schemas.microsoft.com/office/drawing/2010/main" xmlns="" w="9525">
                   <a:solidFill>
                     <a:srgbClr val="000000"/>
                   </a:solidFill>
@@ -2318,7 +2325,7 @@
             </a:ln>
             <a:extLst>
               <a:ext uri="{91240B29-F687-4f45-9708-019B960494DF}">
-                <a14:hiddenLine xmlns="" xmlns:a14="http://schemas.microsoft.com/office/drawing/2010/main" w="9525">
+                <a14:hiddenLine xmlns:a14="http://schemas.microsoft.com/office/drawing/2010/main" xmlns="" w="9525">
                   <a:solidFill>
                     <a:srgbClr val="000000"/>
                   </a:solidFill>
@@ -2352,7 +2359,7 @@
             </a:ln>
             <a:extLst>
               <a:ext uri="{91240B29-F687-4f45-9708-019B960494DF}">
-                <a14:hiddenLine xmlns="" xmlns:a14="http://schemas.microsoft.com/office/drawing/2010/main" w="9525">
+                <a14:hiddenLine xmlns:a14="http://schemas.microsoft.com/office/drawing/2010/main" xmlns="" w="9525">
                   <a:solidFill>
                     <a:srgbClr val="000000"/>
                   </a:solidFill>
@@ -2442,7 +2449,7 @@
             </a:ln>
             <a:extLst>
               <a:ext uri="{91240B29-F687-4f45-9708-019B960494DF}">
-                <a14:hiddenLine xmlns="" xmlns:a14="http://schemas.microsoft.com/office/drawing/2010/main" w="9525">
+                <a14:hiddenLine xmlns:a14="http://schemas.microsoft.com/office/drawing/2010/main" xmlns="" w="9525">
                   <a:solidFill>
                     <a:srgbClr val="000000"/>
                   </a:solidFill>
@@ -2504,7 +2511,7 @@
             </a:ln>
             <a:extLst>
               <a:ext uri="{91240B29-F687-4f45-9708-019B960494DF}">
-                <a14:hiddenLine xmlns="" xmlns:a14="http://schemas.microsoft.com/office/drawing/2010/main" w="9525">
+                <a14:hiddenLine xmlns:a14="http://schemas.microsoft.com/office/drawing/2010/main" xmlns="" w="9525">
                   <a:solidFill>
                     <a:srgbClr val="000000"/>
                   </a:solidFill>
@@ -2566,7 +2573,7 @@
             </a:ln>
             <a:extLst>
               <a:ext uri="{91240B29-F687-4f45-9708-019B960494DF}">
-                <a14:hiddenLine xmlns="" xmlns:a14="http://schemas.microsoft.com/office/drawing/2010/main" w="9525">
+                <a14:hiddenLine xmlns:a14="http://schemas.microsoft.com/office/drawing/2010/main" xmlns="" w="9525">
                   <a:solidFill>
                     <a:srgbClr val="000000"/>
                   </a:solidFill>
@@ -2656,7 +2663,7 @@
             </a:ln>
             <a:extLst>
               <a:ext uri="{91240B29-F687-4f45-9708-019B960494DF}">
-                <a14:hiddenLine xmlns="" xmlns:a14="http://schemas.microsoft.com/office/drawing/2010/main" w="9525">
+                <a14:hiddenLine xmlns:a14="http://schemas.microsoft.com/office/drawing/2010/main" xmlns="" w="9525">
                   <a:solidFill>
                     <a:srgbClr val="000000"/>
                   </a:solidFill>
@@ -2724,7 +2731,7 @@
             </a:ln>
             <a:extLst>
               <a:ext uri="{91240B29-F687-4f45-9708-019B960494DF}">
-                <a14:hiddenLine xmlns="" xmlns:a14="http://schemas.microsoft.com/office/drawing/2010/main" w="9525">
+                <a14:hiddenLine xmlns:a14="http://schemas.microsoft.com/office/drawing/2010/main" xmlns="" w="9525">
                   <a:solidFill>
                     <a:srgbClr val="000000"/>
                   </a:solidFill>
@@ -2786,7 +2793,7 @@
             </a:ln>
             <a:extLst>
               <a:ext uri="{91240B29-F687-4f45-9708-019B960494DF}">
-                <a14:hiddenLine xmlns="" xmlns:a14="http://schemas.microsoft.com/office/drawing/2010/main" w="9525">
+                <a14:hiddenLine xmlns:a14="http://schemas.microsoft.com/office/drawing/2010/main" xmlns="" w="9525">
                   <a:solidFill>
                     <a:srgbClr val="000000"/>
                   </a:solidFill>
@@ -2876,7 +2883,7 @@
             </a:ln>
             <a:extLst>
               <a:ext uri="{91240B29-F687-4f45-9708-019B960494DF}">
-                <a14:hiddenLine xmlns="" xmlns:a14="http://schemas.microsoft.com/office/drawing/2010/main" w="9525">
+                <a14:hiddenLine xmlns:a14="http://schemas.microsoft.com/office/drawing/2010/main" xmlns="" w="9525">
                   <a:solidFill>
                     <a:srgbClr val="000000"/>
                   </a:solidFill>
@@ -2938,7 +2945,7 @@
             </a:ln>
             <a:extLst>
               <a:ext uri="{91240B29-F687-4f45-9708-019B960494DF}">
-                <a14:hiddenLine xmlns="" xmlns:a14="http://schemas.microsoft.com/office/drawing/2010/main" w="9525">
+                <a14:hiddenLine xmlns:a14="http://schemas.microsoft.com/office/drawing/2010/main" xmlns="" w="9525">
                   <a:solidFill>
                     <a:srgbClr val="000000"/>
                   </a:solidFill>
@@ -3028,7 +3035,7 @@
             </a:ln>
             <a:extLst>
               <a:ext uri="{91240B29-F687-4f45-9708-019B960494DF}">
-                <a14:hiddenLine xmlns="" xmlns:a14="http://schemas.microsoft.com/office/drawing/2010/main" w="9525">
+                <a14:hiddenLine xmlns:a14="http://schemas.microsoft.com/office/drawing/2010/main" xmlns="" w="9525">
                   <a:solidFill>
                     <a:srgbClr val="000000"/>
                   </a:solidFill>
@@ -3090,7 +3097,7 @@
             </a:ln>
             <a:extLst>
               <a:ext uri="{91240B29-F687-4f45-9708-019B960494DF}">
-                <a14:hiddenLine xmlns="" xmlns:a14="http://schemas.microsoft.com/office/drawing/2010/main" w="9525">
+                <a14:hiddenLine xmlns:a14="http://schemas.microsoft.com/office/drawing/2010/main" xmlns="" w="9525">
                   <a:solidFill>
                     <a:srgbClr val="000000"/>
                   </a:solidFill>
@@ -3180,7 +3187,7 @@
             </a:ln>
             <a:extLst>
               <a:ext uri="{91240B29-F687-4f45-9708-019B960494DF}">
-                <a14:hiddenLine xmlns="" xmlns:a14="http://schemas.microsoft.com/office/drawing/2010/main" w="9525">
+                <a14:hiddenLine xmlns:a14="http://schemas.microsoft.com/office/drawing/2010/main" xmlns="" w="9525">
                   <a:solidFill>
                     <a:srgbClr val="000000"/>
                   </a:solidFill>
@@ -3214,7 +3221,7 @@
             </a:ln>
             <a:extLst>
               <a:ext uri="{91240B29-F687-4f45-9708-019B960494DF}">
-                <a14:hiddenLine xmlns="" xmlns:a14="http://schemas.microsoft.com/office/drawing/2010/main" w="9525">
+                <a14:hiddenLine xmlns:a14="http://schemas.microsoft.com/office/drawing/2010/main" xmlns="" w="9525">
                   <a:solidFill>
                     <a:srgbClr val="000000"/>
                   </a:solidFill>
@@ -3279,7 +3286,7 @@
             </a:ln>
             <a:extLst>
               <a:ext uri="{91240B29-F687-4f45-9708-019B960494DF}">
-                <a14:hiddenLine xmlns="" xmlns:a14="http://schemas.microsoft.com/office/drawing/2010/main" w="9525">
+                <a14:hiddenLine xmlns:a14="http://schemas.microsoft.com/office/drawing/2010/main" xmlns="" w="9525">
                   <a:solidFill>
                     <a:srgbClr val="000000"/>
                   </a:solidFill>
@@ -3369,7 +3376,7 @@
             </a:ln>
             <a:extLst>
               <a:ext uri="{91240B29-F687-4f45-9708-019B960494DF}">
-                <a14:hiddenLine xmlns="" xmlns:a14="http://schemas.microsoft.com/office/drawing/2010/main" w="9525">
+                <a14:hiddenLine xmlns:a14="http://schemas.microsoft.com/office/drawing/2010/main" xmlns="" w="9525">
                   <a:solidFill>
                     <a:srgbClr val="000000"/>
                   </a:solidFill>
@@ -3431,7 +3438,7 @@
             </a:ln>
             <a:extLst>
               <a:ext uri="{91240B29-F687-4f45-9708-019B960494DF}">
-                <a14:hiddenLine xmlns="" xmlns:a14="http://schemas.microsoft.com/office/drawing/2010/main" w="9525">
+                <a14:hiddenLine xmlns:a14="http://schemas.microsoft.com/office/drawing/2010/main" xmlns="" w="9525">
                   <a:solidFill>
                     <a:srgbClr val="000000"/>
                   </a:solidFill>
@@ -3521,7 +3528,7 @@
             </a:ln>
             <a:extLst>
               <a:ext uri="{91240B29-F687-4f45-9708-019B960494DF}">
-                <a14:hiddenLine xmlns="" xmlns:a14="http://schemas.microsoft.com/office/drawing/2010/main" w="9525">
+                <a14:hiddenLine xmlns:a14="http://schemas.microsoft.com/office/drawing/2010/main" xmlns="" w="9525">
                   <a:solidFill>
                     <a:srgbClr val="000000"/>
                   </a:solidFill>
@@ -3611,7 +3618,7 @@
             </a:ln>
             <a:extLst>
               <a:ext uri="{91240B29-F687-4f45-9708-019B960494DF}">
-                <a14:hiddenLine xmlns="" xmlns:a14="http://schemas.microsoft.com/office/drawing/2010/main" w="9525">
+                <a14:hiddenLine xmlns:a14="http://schemas.microsoft.com/office/drawing/2010/main" xmlns="" w="9525">
                   <a:solidFill>
                     <a:srgbClr val="000000"/>
                   </a:solidFill>
@@ -3676,7 +3683,7 @@
             </a:ln>
             <a:extLst>
               <a:ext uri="{91240B29-F687-4f45-9708-019B960494DF}">
-                <a14:hiddenLine xmlns="" xmlns:a14="http://schemas.microsoft.com/office/drawing/2010/main" w="9525">
+                <a14:hiddenLine xmlns:a14="http://schemas.microsoft.com/office/drawing/2010/main" xmlns="" w="9525">
                   <a:solidFill>
                     <a:srgbClr val="000000"/>
                   </a:solidFill>
@@ -3738,7 +3745,7 @@
             </a:ln>
             <a:extLst>
               <a:ext uri="{91240B29-F687-4f45-9708-019B960494DF}">
-                <a14:hiddenLine xmlns="" xmlns:a14="http://schemas.microsoft.com/office/drawing/2010/main" w="9525">
+                <a14:hiddenLine xmlns:a14="http://schemas.microsoft.com/office/drawing/2010/main" xmlns="" w="9525">
                   <a:solidFill>
                     <a:srgbClr val="000000"/>
                   </a:solidFill>
@@ -3828,7 +3835,7 @@
             </a:ln>
             <a:extLst>
               <a:ext uri="{91240B29-F687-4f45-9708-019B960494DF}">
-                <a14:hiddenLine xmlns="" xmlns:a14="http://schemas.microsoft.com/office/drawing/2010/main" w="9525">
+                <a14:hiddenLine xmlns:a14="http://schemas.microsoft.com/office/drawing/2010/main" xmlns="" w="9525">
                   <a:solidFill>
                     <a:srgbClr val="000000"/>
                   </a:solidFill>
@@ -3918,7 +3925,7 @@
             </a:ln>
             <a:extLst>
               <a:ext uri="{91240B29-F687-4f45-9708-019B960494DF}">
-                <a14:hiddenLine xmlns="" xmlns:a14="http://schemas.microsoft.com/office/drawing/2010/main" w="9525">
+                <a14:hiddenLine xmlns:a14="http://schemas.microsoft.com/office/drawing/2010/main" xmlns="" w="9525">
                   <a:solidFill>
                     <a:srgbClr val="000000"/>
                   </a:solidFill>
@@ -3980,7 +3987,7 @@
             </a:ln>
             <a:extLst>
               <a:ext uri="{91240B29-F687-4f45-9708-019B960494DF}">
-                <a14:hiddenLine xmlns="" xmlns:a14="http://schemas.microsoft.com/office/drawing/2010/main" w="9525">
+                <a14:hiddenLine xmlns:a14="http://schemas.microsoft.com/office/drawing/2010/main" xmlns="" w="9525">
                   <a:solidFill>
                     <a:srgbClr val="000000"/>
                   </a:solidFill>
@@ -4100,7 +4107,7 @@
             </a:ln>
             <a:extLst>
               <a:ext uri="{91240B29-F687-4f45-9708-019B960494DF}">
-                <a14:hiddenLine xmlns="" xmlns:a14="http://schemas.microsoft.com/office/drawing/2010/main" w="9525">
+                <a14:hiddenLine xmlns:a14="http://schemas.microsoft.com/office/drawing/2010/main" xmlns="" w="9525">
                   <a:solidFill>
                     <a:srgbClr val="000000"/>
                   </a:solidFill>
@@ -4168,7 +4175,7 @@
             </a:ln>
             <a:extLst>
               <a:ext uri="{91240B29-F687-4f45-9708-019B960494DF}">
-                <a14:hiddenLine xmlns="" xmlns:a14="http://schemas.microsoft.com/office/drawing/2010/main" w="9525">
+                <a14:hiddenLine xmlns:a14="http://schemas.microsoft.com/office/drawing/2010/main" xmlns="" w="9525">
                   <a:solidFill>
                     <a:srgbClr val="000000"/>
                   </a:solidFill>
@@ -4258,7 +4265,7 @@
             </a:ln>
             <a:extLst>
               <a:ext uri="{91240B29-F687-4f45-9708-019B960494DF}">
-                <a14:hiddenLine xmlns="" xmlns:a14="http://schemas.microsoft.com/office/drawing/2010/main" w="9525">
+                <a14:hiddenLine xmlns:a14="http://schemas.microsoft.com/office/drawing/2010/main" xmlns="" w="9525">
                   <a:solidFill>
                     <a:srgbClr val="000000"/>
                   </a:solidFill>
@@ -4398,7 +4405,7 @@
           <a:p>
             <a:fld id="{48A87A34-81AB-432B-8DAE-1953F412C126}" type="datetimeFigureOut">
               <a:rPr lang="en-US" dirty="0"/>
-              <a:t>10/29/2017</a:t>
+              <a:t>10/30/2017</a:t>
             </a:fld>
             <a:endParaRPr lang="en-US" dirty="0"/>
           </a:p>
@@ -4660,7 +4667,7 @@
           <a:p>
             <a:fld id="{48A87A34-81AB-432B-8DAE-1953F412C126}" type="datetimeFigureOut">
               <a:rPr lang="en-US" dirty="0"/>
-              <a:t>10/29/2017</a:t>
+              <a:t>10/30/2017</a:t>
             </a:fld>
             <a:endParaRPr lang="en-US" dirty="0"/>
           </a:p>
@@ -4851,7 +4858,7 @@
           <a:p>
             <a:fld id="{48A87A34-81AB-432B-8DAE-1953F412C126}" type="datetimeFigureOut">
               <a:rPr lang="en-US" dirty="0"/>
-              <a:t>10/29/2017</a:t>
+              <a:t>10/30/2017</a:t>
             </a:fld>
             <a:endParaRPr lang="en-US" dirty="0"/>
           </a:p>
@@ -5109,7 +5116,7 @@
           <a:p>
             <a:fld id="{48A87A34-81AB-432B-8DAE-1953F412C126}" type="datetimeFigureOut">
               <a:rPr lang="en-US" dirty="0"/>
-              <a:t>10/29/2017</a:t>
+              <a:t>10/30/2017</a:t>
             </a:fld>
             <a:endParaRPr lang="en-US" dirty="0"/>
           </a:p>
@@ -5538,7 +5545,7 @@
           <a:p>
             <a:fld id="{48A87A34-81AB-432B-8DAE-1953F412C126}" type="datetimeFigureOut">
               <a:rPr lang="en-US" dirty="0"/>
-              <a:t>10/29/2017</a:t>
+              <a:t>10/30/2017</a:t>
             </a:fld>
             <a:endParaRPr lang="en-US" dirty="0"/>
           </a:p>
@@ -6079,7 +6086,7 @@
           <a:p>
             <a:fld id="{48A87A34-81AB-432B-8DAE-1953F412C126}" type="datetimeFigureOut">
               <a:rPr lang="en-US" dirty="0"/>
-              <a:t>10/29/2017</a:t>
+              <a:t>10/30/2017</a:t>
             </a:fld>
             <a:endParaRPr lang="en-US" dirty="0"/>
           </a:p>
@@ -6794,7 +6801,7 @@
           <a:p>
             <a:fld id="{48A87A34-81AB-432B-8DAE-1953F412C126}" type="datetimeFigureOut">
               <a:rPr lang="en-US" dirty="0"/>
-              <a:t>10/29/2017</a:t>
+              <a:t>10/30/2017</a:t>
             </a:fld>
             <a:endParaRPr lang="en-US" dirty="0"/>
           </a:p>
@@ -6959,7 +6966,7 @@
           <a:p>
             <a:fld id="{48A87A34-81AB-432B-8DAE-1953F412C126}" type="datetimeFigureOut">
               <a:rPr lang="en-US" dirty="0"/>
-              <a:t>10/29/2017</a:t>
+              <a:t>10/30/2017</a:t>
             </a:fld>
             <a:endParaRPr lang="en-US" dirty="0"/>
           </a:p>
@@ -7134,7 +7141,7 @@
           <a:p>
             <a:fld id="{48A87A34-81AB-432B-8DAE-1953F412C126}" type="datetimeFigureOut">
               <a:rPr lang="en-US" dirty="0"/>
-              <a:t>10/29/2017</a:t>
+              <a:t>10/30/2017</a:t>
             </a:fld>
             <a:endParaRPr lang="en-US" dirty="0"/>
           </a:p>
@@ -7299,7 +7306,7 @@
           <a:p>
             <a:fld id="{48A87A34-81AB-432B-8DAE-1953F412C126}" type="datetimeFigureOut">
               <a:rPr lang="en-US" dirty="0"/>
-              <a:t>10/29/2017</a:t>
+              <a:t>10/30/2017</a:t>
             </a:fld>
             <a:endParaRPr lang="en-US" dirty="0"/>
           </a:p>
@@ -7544,7 +7551,7 @@
           <a:p>
             <a:fld id="{48A87A34-81AB-432B-8DAE-1953F412C126}" type="datetimeFigureOut">
               <a:rPr lang="en-US" dirty="0"/>
-              <a:t>10/29/2017</a:t>
+              <a:t>10/30/2017</a:t>
             </a:fld>
             <a:endParaRPr lang="en-US" dirty="0"/>
           </a:p>
@@ -7771,7 +7778,7 @@
           <a:p>
             <a:fld id="{48A87A34-81AB-432B-8DAE-1953F412C126}" type="datetimeFigureOut">
               <a:rPr lang="en-US" dirty="0"/>
-              <a:t>10/29/2017</a:t>
+              <a:t>10/30/2017</a:t>
             </a:fld>
             <a:endParaRPr lang="en-US" dirty="0"/>
           </a:p>
@@ -8147,7 +8154,7 @@
           <a:p>
             <a:fld id="{48A87A34-81AB-432B-8DAE-1953F412C126}" type="datetimeFigureOut">
               <a:rPr lang="en-US" dirty="0"/>
-              <a:t>10/29/2017</a:t>
+              <a:t>10/30/2017</a:t>
             </a:fld>
             <a:endParaRPr lang="en-US" dirty="0"/>
           </a:p>
@@ -8260,7 +8267,7 @@
           <a:p>
             <a:fld id="{48A87A34-81AB-432B-8DAE-1953F412C126}" type="datetimeFigureOut">
               <a:rPr lang="en-US" dirty="0"/>
-              <a:t>10/29/2017</a:t>
+              <a:t>10/30/2017</a:t>
             </a:fld>
             <a:endParaRPr lang="en-US" dirty="0"/>
           </a:p>
@@ -8350,7 +8357,7 @@
           <a:p>
             <a:fld id="{48A87A34-81AB-432B-8DAE-1953F412C126}" type="datetimeFigureOut">
               <a:rPr lang="en-US" dirty="0"/>
-              <a:t>10/29/2017</a:t>
+              <a:t>10/30/2017</a:t>
             </a:fld>
             <a:endParaRPr lang="en-US" dirty="0"/>
           </a:p>
@@ -8594,7 +8601,7 @@
           <a:p>
             <a:fld id="{48A87A34-81AB-432B-8DAE-1953F412C126}" type="datetimeFigureOut">
               <a:rPr lang="en-US" dirty="0"/>
-              <a:t>10/29/2017</a:t>
+              <a:t>10/30/2017</a:t>
             </a:fld>
             <a:endParaRPr lang="en-US" dirty="0"/>
           </a:p>
@@ -8869,7 +8876,7 @@
           <a:p>
             <a:fld id="{48A87A34-81AB-432B-8DAE-1953F412C126}" type="datetimeFigureOut">
               <a:rPr lang="en-US" dirty="0"/>
-              <a:t>10/29/2017</a:t>
+              <a:t>10/30/2017</a:t>
             </a:fld>
             <a:endParaRPr lang="en-US" dirty="0"/>
           </a:p>
@@ -8987,7 +8994,7 @@
           <a:noFill/>
           <a:extLst>
             <a:ext uri="{909E8E84-426E-40dd-AFC4-6F175D3DCCD1}">
-              <a14:hiddenFill xmlns="" xmlns:a14="http://schemas.microsoft.com/office/drawing/2010/main">
+              <a14:hiddenFill xmlns:a14="http://schemas.microsoft.com/office/drawing/2010/main" xmlns="">
                 <a:solidFill>
                   <a:srgbClr val="FFFFFF"/>
                 </a:solidFill>
@@ -9061,7 +9068,7 @@
               </a:ln>
               <a:extLst>
                 <a:ext uri="{91240B29-F687-4f45-9708-019B960494DF}">
-                  <a14:hiddenLine xmlns="" xmlns:a14="http://schemas.microsoft.com/office/drawing/2010/main" w="9525">
+                  <a14:hiddenLine xmlns:a14="http://schemas.microsoft.com/office/drawing/2010/main" xmlns="" w="9525">
                     <a:solidFill>
                       <a:srgbClr val="000000"/>
                     </a:solidFill>
@@ -9151,7 +9158,7 @@
               </a:ln>
               <a:extLst>
                 <a:ext uri="{91240B29-F687-4f45-9708-019B960494DF}">
-                  <a14:hiddenLine xmlns="" xmlns:a14="http://schemas.microsoft.com/office/drawing/2010/main" w="9525">
+                  <a14:hiddenLine xmlns:a14="http://schemas.microsoft.com/office/drawing/2010/main" xmlns="" w="9525">
                     <a:solidFill>
                       <a:srgbClr val="000000"/>
                     </a:solidFill>
@@ -9241,7 +9248,7 @@
               </a:ln>
               <a:extLst>
                 <a:ext uri="{91240B29-F687-4f45-9708-019B960494DF}">
-                  <a14:hiddenLine xmlns="" xmlns:a14="http://schemas.microsoft.com/office/drawing/2010/main" w="9525">
+                  <a14:hiddenLine xmlns:a14="http://schemas.microsoft.com/office/drawing/2010/main" xmlns="" w="9525">
                     <a:solidFill>
                       <a:srgbClr val="000000"/>
                     </a:solidFill>
@@ -9303,7 +9310,7 @@
               </a:ln>
               <a:extLst>
                 <a:ext uri="{91240B29-F687-4f45-9708-019B960494DF}">
-                  <a14:hiddenLine xmlns="" xmlns:a14="http://schemas.microsoft.com/office/drawing/2010/main" w="9525">
+                  <a14:hiddenLine xmlns:a14="http://schemas.microsoft.com/office/drawing/2010/main" xmlns="" w="9525">
                     <a:solidFill>
                       <a:srgbClr val="000000"/>
                     </a:solidFill>
@@ -9393,7 +9400,7 @@
               </a:ln>
               <a:extLst>
                 <a:ext uri="{91240B29-F687-4f45-9708-019B960494DF}">
-                  <a14:hiddenLine xmlns="" xmlns:a14="http://schemas.microsoft.com/office/drawing/2010/main" w="9525">
+                  <a14:hiddenLine xmlns:a14="http://schemas.microsoft.com/office/drawing/2010/main" xmlns="" w="9525">
                     <a:solidFill>
                       <a:srgbClr val="000000"/>
                     </a:solidFill>
@@ -9455,7 +9462,7 @@
               </a:ln>
               <a:extLst>
                 <a:ext uri="{91240B29-F687-4f45-9708-019B960494DF}">
-                  <a14:hiddenLine xmlns="" xmlns:a14="http://schemas.microsoft.com/office/drawing/2010/main" w="9525">
+                  <a14:hiddenLine xmlns:a14="http://schemas.microsoft.com/office/drawing/2010/main" xmlns="" w="9525">
                     <a:solidFill>
                       <a:srgbClr val="000000"/>
                     </a:solidFill>
@@ -9517,7 +9524,7 @@
               </a:ln>
               <a:extLst>
                 <a:ext uri="{91240B29-F687-4f45-9708-019B960494DF}">
-                  <a14:hiddenLine xmlns="" xmlns:a14="http://schemas.microsoft.com/office/drawing/2010/main" w="9525">
+                  <a14:hiddenLine xmlns:a14="http://schemas.microsoft.com/office/drawing/2010/main" xmlns="" w="9525">
                     <a:solidFill>
                       <a:srgbClr val="000000"/>
                     </a:solidFill>
@@ -9607,7 +9614,7 @@
               </a:ln>
               <a:extLst>
                 <a:ext uri="{91240B29-F687-4f45-9708-019B960494DF}">
-                  <a14:hiddenLine xmlns="" xmlns:a14="http://schemas.microsoft.com/office/drawing/2010/main" w="9525">
+                  <a14:hiddenLine xmlns:a14="http://schemas.microsoft.com/office/drawing/2010/main" xmlns="" w="9525">
                     <a:solidFill>
                       <a:srgbClr val="000000"/>
                     </a:solidFill>
@@ -9697,7 +9704,7 @@
               </a:ln>
               <a:extLst>
                 <a:ext uri="{91240B29-F687-4f45-9708-019B960494DF}">
-                  <a14:hiddenLine xmlns="" xmlns:a14="http://schemas.microsoft.com/office/drawing/2010/main" w="9525">
+                  <a14:hiddenLine xmlns:a14="http://schemas.microsoft.com/office/drawing/2010/main" xmlns="" w="9525">
                     <a:solidFill>
                       <a:srgbClr val="000000"/>
                     </a:solidFill>
@@ -9759,7 +9766,7 @@
               </a:ln>
               <a:extLst>
                 <a:ext uri="{91240B29-F687-4f45-9708-019B960494DF}">
-                  <a14:hiddenLine xmlns="" xmlns:a14="http://schemas.microsoft.com/office/drawing/2010/main" w="9525">
+                  <a14:hiddenLine xmlns:a14="http://schemas.microsoft.com/office/drawing/2010/main" xmlns="" w="9525">
                     <a:solidFill>
                       <a:srgbClr val="000000"/>
                     </a:solidFill>
@@ -9869,7 +9876,7 @@
               </a:ln>
               <a:extLst>
                 <a:ext uri="{91240B29-F687-4f45-9708-019B960494DF}">
-                  <a14:hiddenLine xmlns="" xmlns:a14="http://schemas.microsoft.com/office/drawing/2010/main" w="9525">
+                  <a14:hiddenLine xmlns:a14="http://schemas.microsoft.com/office/drawing/2010/main" xmlns="" w="9525">
                     <a:solidFill>
                       <a:srgbClr val="000000"/>
                     </a:solidFill>
@@ -9953,7 +9960,7 @@
               </a:ln>
               <a:extLst>
                 <a:ext uri="{91240B29-F687-4f45-9708-019B960494DF}">
-                  <a14:hiddenLine xmlns="" xmlns:a14="http://schemas.microsoft.com/office/drawing/2010/main" w="9525">
+                  <a14:hiddenLine xmlns:a14="http://schemas.microsoft.com/office/drawing/2010/main" xmlns="" w="9525">
                     <a:solidFill>
                       <a:srgbClr val="000000"/>
                     </a:solidFill>
@@ -10015,7 +10022,7 @@
               </a:ln>
               <a:extLst>
                 <a:ext uri="{91240B29-F687-4f45-9708-019B960494DF}">
-                  <a14:hiddenLine xmlns="" xmlns:a14="http://schemas.microsoft.com/office/drawing/2010/main" w="9525">
+                  <a14:hiddenLine xmlns:a14="http://schemas.microsoft.com/office/drawing/2010/main" xmlns="" w="9525">
                     <a:solidFill>
                       <a:srgbClr val="000000"/>
                     </a:solidFill>
@@ -10077,7 +10084,7 @@
               </a:ln>
               <a:extLst>
                 <a:ext uri="{91240B29-F687-4f45-9708-019B960494DF}">
-                  <a14:hiddenLine xmlns="" xmlns:a14="http://schemas.microsoft.com/office/drawing/2010/main" w="9525">
+                  <a14:hiddenLine xmlns:a14="http://schemas.microsoft.com/office/drawing/2010/main" xmlns="" w="9525">
                     <a:solidFill>
                       <a:srgbClr val="000000"/>
                     </a:solidFill>
@@ -10167,7 +10174,7 @@
               </a:ln>
               <a:extLst>
                 <a:ext uri="{91240B29-F687-4f45-9708-019B960494DF}">
-                  <a14:hiddenLine xmlns="" xmlns:a14="http://schemas.microsoft.com/office/drawing/2010/main" w="9525">
+                  <a14:hiddenLine xmlns:a14="http://schemas.microsoft.com/office/drawing/2010/main" xmlns="" w="9525">
                     <a:solidFill>
                       <a:srgbClr val="000000"/>
                     </a:solidFill>
@@ -10201,7 +10208,7 @@
               </a:ln>
               <a:extLst>
                 <a:ext uri="{91240B29-F687-4f45-9708-019B960494DF}">
-                  <a14:hiddenLine xmlns="" xmlns:a14="http://schemas.microsoft.com/office/drawing/2010/main" w="9525">
+                  <a14:hiddenLine xmlns:a14="http://schemas.microsoft.com/office/drawing/2010/main" xmlns="" w="9525">
                     <a:solidFill>
                       <a:srgbClr val="000000"/>
                     </a:solidFill>
@@ -10266,7 +10273,7 @@
               </a:ln>
               <a:extLst>
                 <a:ext uri="{91240B29-F687-4f45-9708-019B960494DF}">
-                  <a14:hiddenLine xmlns="" xmlns:a14="http://schemas.microsoft.com/office/drawing/2010/main" w="9525">
+                  <a14:hiddenLine xmlns:a14="http://schemas.microsoft.com/office/drawing/2010/main" xmlns="" w="9525">
                     <a:solidFill>
                       <a:srgbClr val="000000"/>
                     </a:solidFill>
@@ -10356,7 +10363,7 @@
               </a:ln>
               <a:extLst>
                 <a:ext uri="{91240B29-F687-4f45-9708-019B960494DF}">
-                  <a14:hiddenLine xmlns="" xmlns:a14="http://schemas.microsoft.com/office/drawing/2010/main" w="9525">
+                  <a14:hiddenLine xmlns:a14="http://schemas.microsoft.com/office/drawing/2010/main" xmlns="" w="9525">
                     <a:solidFill>
                       <a:srgbClr val="000000"/>
                     </a:solidFill>
@@ -10418,7 +10425,7 @@
               </a:ln>
               <a:extLst>
                 <a:ext uri="{91240B29-F687-4f45-9708-019B960494DF}">
-                  <a14:hiddenLine xmlns="" xmlns:a14="http://schemas.microsoft.com/office/drawing/2010/main" w="9525">
+                  <a14:hiddenLine xmlns:a14="http://schemas.microsoft.com/office/drawing/2010/main" xmlns="" w="9525">
                     <a:solidFill>
                       <a:srgbClr val="000000"/>
                     </a:solidFill>
@@ -10508,7 +10515,7 @@
               </a:ln>
               <a:extLst>
                 <a:ext uri="{91240B29-F687-4f45-9708-019B960494DF}">
-                  <a14:hiddenLine xmlns="" xmlns:a14="http://schemas.microsoft.com/office/drawing/2010/main" w="9525">
+                  <a14:hiddenLine xmlns:a14="http://schemas.microsoft.com/office/drawing/2010/main" xmlns="" w="9525">
                     <a:solidFill>
                       <a:srgbClr val="000000"/>
                     </a:solidFill>
@@ -10573,7 +10580,7 @@
               </a:ln>
               <a:extLst>
                 <a:ext uri="{91240B29-F687-4f45-9708-019B960494DF}">
-                  <a14:hiddenLine xmlns="" xmlns:a14="http://schemas.microsoft.com/office/drawing/2010/main" w="9525">
+                  <a14:hiddenLine xmlns:a14="http://schemas.microsoft.com/office/drawing/2010/main" xmlns="" w="9525">
                     <a:solidFill>
                       <a:srgbClr val="000000"/>
                     </a:solidFill>
@@ -10635,7 +10642,7 @@
               </a:ln>
               <a:extLst>
                 <a:ext uri="{91240B29-F687-4f45-9708-019B960494DF}">
-                  <a14:hiddenLine xmlns="" xmlns:a14="http://schemas.microsoft.com/office/drawing/2010/main" w="9525">
+                  <a14:hiddenLine xmlns:a14="http://schemas.microsoft.com/office/drawing/2010/main" xmlns="" w="9525">
                     <a:solidFill>
                       <a:srgbClr val="000000"/>
                     </a:solidFill>
@@ -10725,7 +10732,7 @@
               </a:ln>
               <a:extLst>
                 <a:ext uri="{91240B29-F687-4f45-9708-019B960494DF}">
-                  <a14:hiddenLine xmlns="" xmlns:a14="http://schemas.microsoft.com/office/drawing/2010/main" w="9525">
+                  <a14:hiddenLine xmlns:a14="http://schemas.microsoft.com/office/drawing/2010/main" xmlns="" w="9525">
                     <a:solidFill>
                       <a:srgbClr val="000000"/>
                     </a:solidFill>
@@ -10815,7 +10822,7 @@
               </a:ln>
               <a:extLst>
                 <a:ext uri="{91240B29-F687-4f45-9708-019B960494DF}">
-                  <a14:hiddenLine xmlns="" xmlns:a14="http://schemas.microsoft.com/office/drawing/2010/main" w="9525">
+                  <a14:hiddenLine xmlns:a14="http://schemas.microsoft.com/office/drawing/2010/main" xmlns="" w="9525">
                     <a:solidFill>
                       <a:srgbClr val="000000"/>
                     </a:solidFill>
@@ -10880,7 +10887,7 @@
               </a:ln>
               <a:extLst>
                 <a:ext uri="{91240B29-F687-4f45-9708-019B960494DF}">
-                  <a14:hiddenLine xmlns="" xmlns:a14="http://schemas.microsoft.com/office/drawing/2010/main" w="9525">
+                  <a14:hiddenLine xmlns:a14="http://schemas.microsoft.com/office/drawing/2010/main" xmlns="" w="9525">
                     <a:solidFill>
                       <a:srgbClr val="000000"/>
                     </a:solidFill>
@@ -11000,7 +11007,7 @@
               </a:ln>
               <a:extLst>
                 <a:ext uri="{91240B29-F687-4f45-9708-019B960494DF}">
-                  <a14:hiddenLine xmlns="" xmlns:a14="http://schemas.microsoft.com/office/drawing/2010/main" w="9525">
+                  <a14:hiddenLine xmlns:a14="http://schemas.microsoft.com/office/drawing/2010/main" xmlns="" w="9525">
                     <a:solidFill>
                       <a:srgbClr val="000000"/>
                     </a:solidFill>
@@ -11081,7 +11088,7 @@
               </a:ln>
               <a:extLst>
                 <a:ext uri="{91240B29-F687-4f45-9708-019B960494DF}">
-                  <a14:hiddenLine xmlns="" xmlns:a14="http://schemas.microsoft.com/office/drawing/2010/main" w="9525">
+                  <a14:hiddenLine xmlns:a14="http://schemas.microsoft.com/office/drawing/2010/main" xmlns="" w="9525">
                     <a:solidFill>
                       <a:srgbClr val="000000"/>
                     </a:solidFill>
@@ -11196,7 +11203,7 @@
               </a:ln>
               <a:extLst>
                 <a:ext uri="{91240B29-F687-4f45-9708-019B960494DF}">
-                  <a14:hiddenLine xmlns="" xmlns:a14="http://schemas.microsoft.com/office/drawing/2010/main" w="9525">
+                  <a14:hiddenLine xmlns:a14="http://schemas.microsoft.com/office/drawing/2010/main" xmlns="" w="9525">
                     <a:solidFill>
                       <a:srgbClr val="000000"/>
                     </a:solidFill>
@@ -11286,7 +11293,7 @@
               </a:ln>
               <a:extLst>
                 <a:ext uri="{91240B29-F687-4f45-9708-019B960494DF}">
-                  <a14:hiddenLine xmlns="" xmlns:a14="http://schemas.microsoft.com/office/drawing/2010/main" w="9525">
+                  <a14:hiddenLine xmlns:a14="http://schemas.microsoft.com/office/drawing/2010/main" xmlns="" w="9525">
                     <a:solidFill>
                       <a:srgbClr val="000000"/>
                     </a:solidFill>
@@ -11351,7 +11358,7 @@
               </a:ln>
               <a:extLst>
                 <a:ext uri="{91240B29-F687-4f45-9708-019B960494DF}">
-                  <a14:hiddenLine xmlns="" xmlns:a14="http://schemas.microsoft.com/office/drawing/2010/main" w="9525">
+                  <a14:hiddenLine xmlns:a14="http://schemas.microsoft.com/office/drawing/2010/main" xmlns="" w="9525">
                     <a:solidFill>
                       <a:srgbClr val="000000"/>
                     </a:solidFill>
@@ -11441,7 +11448,7 @@
               </a:ln>
               <a:extLst>
                 <a:ext uri="{91240B29-F687-4f45-9708-019B960494DF}">
-                  <a14:hiddenLine xmlns="" xmlns:a14="http://schemas.microsoft.com/office/drawing/2010/main" w="9525">
+                  <a14:hiddenLine xmlns:a14="http://schemas.microsoft.com/office/drawing/2010/main" xmlns="" w="9525">
                     <a:solidFill>
                       <a:srgbClr val="000000"/>
                     </a:solidFill>
@@ -11509,7 +11516,7 @@
               </a:ln>
               <a:extLst>
                 <a:ext uri="{91240B29-F687-4f45-9708-019B960494DF}">
-                  <a14:hiddenLine xmlns="" xmlns:a14="http://schemas.microsoft.com/office/drawing/2010/main" w="9525">
+                  <a14:hiddenLine xmlns:a14="http://schemas.microsoft.com/office/drawing/2010/main" xmlns="" w="9525">
                     <a:solidFill>
                       <a:srgbClr val="000000"/>
                     </a:solidFill>
@@ -11599,7 +11606,7 @@
               </a:ln>
               <a:extLst>
                 <a:ext uri="{91240B29-F687-4f45-9708-019B960494DF}">
-                  <a14:hiddenLine xmlns="" xmlns:a14="http://schemas.microsoft.com/office/drawing/2010/main" w="9525">
+                  <a14:hiddenLine xmlns:a14="http://schemas.microsoft.com/office/drawing/2010/main" xmlns="" w="9525">
                     <a:solidFill>
                       <a:srgbClr val="000000"/>
                     </a:solidFill>
@@ -11667,7 +11674,7 @@
               </a:ln>
               <a:extLst>
                 <a:ext uri="{91240B29-F687-4f45-9708-019B960494DF}">
-                  <a14:hiddenLine xmlns="" xmlns:a14="http://schemas.microsoft.com/office/drawing/2010/main" w="9525">
+                  <a14:hiddenLine xmlns:a14="http://schemas.microsoft.com/office/drawing/2010/main" xmlns="" w="9525">
                     <a:solidFill>
                       <a:srgbClr val="000000"/>
                     </a:solidFill>
@@ -11757,7 +11764,7 @@
               </a:ln>
               <a:extLst>
                 <a:ext uri="{91240B29-F687-4f45-9708-019B960494DF}">
-                  <a14:hiddenLine xmlns="" xmlns:a14="http://schemas.microsoft.com/office/drawing/2010/main" w="9525">
+                  <a14:hiddenLine xmlns:a14="http://schemas.microsoft.com/office/drawing/2010/main" xmlns="" w="9525">
                     <a:solidFill>
                       <a:srgbClr val="000000"/>
                     </a:solidFill>
@@ -11791,7 +11798,7 @@
               </a:ln>
               <a:extLst>
                 <a:ext uri="{91240B29-F687-4f45-9708-019B960494DF}">
-                  <a14:hiddenLine xmlns="" xmlns:a14="http://schemas.microsoft.com/office/drawing/2010/main" w="9525">
+                  <a14:hiddenLine xmlns:a14="http://schemas.microsoft.com/office/drawing/2010/main" xmlns="" w="9525">
                     <a:solidFill>
                       <a:srgbClr val="000000"/>
                     </a:solidFill>
@@ -11932,7 +11939,7 @@
             <a:fld id="{48A87A34-81AB-432B-8DAE-1953F412C126}" type="datetimeFigureOut">
               <a:rPr lang="en-US" dirty="0"/>
               <a:pPr/>
-              <a:t>10/29/2017</a:t>
+              <a:t>10/30/2017</a:t>
             </a:fld>
             <a:endParaRPr lang="en-US" dirty="0"/>
           </a:p>
@@ -12353,7 +12360,7 @@
           <p:cNvPr id="2" name="Title 1">
             <a:extLst>
               <a:ext uri="{FF2B5EF4-FFF2-40B4-BE49-F238E27FC236}">
-                <a16:creationId xmlns:a16="http://schemas.microsoft.com/office/drawing/2014/main" xmlns="" id="{51CD011B-AB54-404C-ADB7-0A210B416919}"/>
+                <a16:creationId xmlns="" xmlns:a16="http://schemas.microsoft.com/office/drawing/2014/main" id="{51CD011B-AB54-404C-ADB7-0A210B416919}"/>
               </a:ext>
             </a:extLst>
           </p:cNvPr>
@@ -12381,7 +12388,7 @@
           <p:cNvPr id="3" name="Subtitle 2">
             <a:extLst>
               <a:ext uri="{FF2B5EF4-FFF2-40B4-BE49-F238E27FC236}">
-                <a16:creationId xmlns:a16="http://schemas.microsoft.com/office/drawing/2014/main" xmlns="" id="{0EB1DDFC-3C31-4C85-8CBA-3D2897C19BAA}"/>
+                <a16:creationId xmlns="" xmlns:a16="http://schemas.microsoft.com/office/drawing/2014/main" id="{0EB1DDFC-3C31-4C85-8CBA-3D2897C19BAA}"/>
               </a:ext>
             </a:extLst>
           </p:cNvPr>
@@ -12399,8 +12406,21 @@
           <a:p>
             <a:r>
               <a:rPr lang="en-US" dirty="0"/>
-              <a:t>Lecture 12 - Combinatorics</a:t>
-            </a:r>
+              <a:t>Lecture </a:t>
+            </a:r>
+            <a:r>
+              <a:rPr lang="en-US" dirty="0" smtClean="0"/>
+              <a:t>13 – </a:t>
+            </a:r>
+            <a:r>
+              <a:rPr lang="en-US" dirty="0" err="1" smtClean="0"/>
+              <a:t>CombinatoricS</a:t>
+            </a:r>
+            <a:r>
+              <a:rPr lang="en-US" dirty="0" smtClean="0"/>
+              <a:t> – Part 2</a:t>
+            </a:r>
+            <a:endParaRPr lang="en-US" dirty="0"/>
           </a:p>
         </p:txBody>
       </p:sp>
@@ -12414,6 +12434,1807 @@
   <p:clrMapOvr>
     <a:masterClrMapping/>
   </p:clrMapOvr>
+  <p:timing>
+    <p:tnLst>
+      <p:par>
+        <p:cTn id="1" dur="indefinite" restart="never" nodeType="tmRoot"/>
+      </p:par>
+    </p:tnLst>
+  </p:timing>
+</p:sld>
+</file>
+
+<file path=ppt/slides/slide10.xml><?xml version="1.0" encoding="utf-8"?>
+<p:sld xmlns:a="http://schemas.openxmlformats.org/drawingml/2006/main" xmlns:r="http://schemas.openxmlformats.org/officeDocument/2006/relationships" xmlns:p="http://schemas.openxmlformats.org/presentationml/2006/main">
+  <p:cSld>
+    <p:spTree>
+      <p:nvGrpSpPr>
+        <p:cNvPr id="1" name=""/>
+        <p:cNvGrpSpPr/>
+        <p:nvPr/>
+      </p:nvGrpSpPr>
+      <p:grpSpPr>
+        <a:xfrm>
+          <a:off x="0" y="0"/>
+          <a:ext cx="0" cy="0"/>
+          <a:chOff x="0" y="0"/>
+          <a:chExt cx="0" cy="0"/>
+        </a:xfrm>
+      </p:grpSpPr>
+      <p:sp>
+        <p:nvSpPr>
+          <p:cNvPr id="2" name="Title 1"/>
+          <p:cNvSpPr>
+            <a:spLocks noGrp="1"/>
+          </p:cNvSpPr>
+          <p:nvPr>
+            <p:ph type="title"/>
+          </p:nvPr>
+        </p:nvSpPr>
+        <p:spPr/>
+        <p:txBody>
+          <a:bodyPr/>
+          <a:lstStyle/>
+          <a:p>
+            <a:r>
+              <a:rPr lang="en-US" dirty="0" smtClean="0"/>
+              <a:t>Practice #1</a:t>
+            </a:r>
+            <a:endParaRPr lang="en-US" dirty="0"/>
+          </a:p>
+        </p:txBody>
+      </p:sp>
+      <p:sp>
+        <p:nvSpPr>
+          <p:cNvPr id="3" name="Content Placeholder 2"/>
+          <p:cNvSpPr>
+            <a:spLocks noGrp="1"/>
+          </p:cNvSpPr>
+          <p:nvPr>
+            <p:ph idx="1"/>
+          </p:nvPr>
+        </p:nvSpPr>
+        <p:spPr/>
+        <p:txBody>
+          <a:bodyPr>
+            <a:normAutofit fontScale="92500" lnSpcReduction="10000"/>
+          </a:bodyPr>
+          <a:lstStyle/>
+          <a:p>
+            <a:r>
+              <a:rPr lang="en-US" dirty="0" smtClean="0"/>
+              <a:t>How many different ways can I award gold, silver, and bronze medals to 5 contestants?</a:t>
+            </a:r>
+          </a:p>
+          <a:p>
+            <a:r>
+              <a:rPr lang="en-US" dirty="0" smtClean="0"/>
+              <a:t>Is it permutation or combination?</a:t>
+            </a:r>
+          </a:p>
+          <a:p>
+            <a:r>
+              <a:rPr lang="en-US" dirty="0" smtClean="0"/>
+              <a:t>Does the order matter?</a:t>
+            </a:r>
+          </a:p>
+          <a:p>
+            <a:r>
+              <a:rPr lang="en-US" dirty="0" smtClean="0"/>
+              <a:t>Is {Bob: Gold, Fred: Silver, Gina: Bronze} = {Gina: Gold, Bob: Silver, Fred: Bronze?</a:t>
+            </a:r>
+          </a:p>
+          <a:p>
+            <a:r>
+              <a:rPr lang="en-US" dirty="0" smtClean="0"/>
+              <a:t>No!  Therefore order DOES matter</a:t>
+            </a:r>
+          </a:p>
+          <a:p>
+            <a:r>
+              <a:rPr lang="en-US" dirty="0" smtClean="0"/>
+              <a:t>P(5,3) = 5! / [5-3]! = 5*4*3 = 60</a:t>
+            </a:r>
+            <a:endParaRPr lang="en-US" dirty="0"/>
+          </a:p>
+        </p:txBody>
+      </p:sp>
+    </p:spTree>
+    <p:extLst>
+      <p:ext uri="{BB962C8B-B14F-4D97-AF65-F5344CB8AC3E}">
+        <p14:creationId xmlns:p14="http://schemas.microsoft.com/office/powerpoint/2010/main" val="3579132358"/>
+      </p:ext>
+    </p:extLst>
+  </p:cSld>
+  <p:clrMapOvr>
+    <a:masterClrMapping/>
+  </p:clrMapOvr>
+  <p:timing>
+    <p:tnLst>
+      <p:par>
+        <p:cTn id="1" dur="indefinite" restart="never" nodeType="tmRoot">
+          <p:childTnLst>
+            <p:seq concurrent="1" nextAc="seek">
+              <p:cTn id="2" dur="indefinite" nodeType="mainSeq">
+                <p:childTnLst>
+                  <p:par>
+                    <p:cTn id="3" fill="hold">
+                      <p:stCondLst>
+                        <p:cond delay="indefinite"/>
+                      </p:stCondLst>
+                      <p:childTnLst>
+                        <p:par>
+                          <p:cTn id="4" fill="hold">
+                            <p:stCondLst>
+                              <p:cond delay="0"/>
+                            </p:stCondLst>
+                            <p:childTnLst>
+                              <p:par>
+                                <p:cTn id="5" presetID="10" presetClass="entr" presetSubtype="0" fill="hold" grpId="0" nodeType="clickEffect">
+                                  <p:stCondLst>
+                                    <p:cond delay="0"/>
+                                  </p:stCondLst>
+                                  <p:childTnLst>
+                                    <p:set>
+                                      <p:cBhvr>
+                                        <p:cTn id="6" dur="1" fill="hold">
+                                          <p:stCondLst>
+                                            <p:cond delay="0"/>
+                                          </p:stCondLst>
+                                        </p:cTn>
+                                        <p:tgtEl>
+                                          <p:spTgt spid="3">
+                                            <p:txEl>
+                                              <p:pRg st="0" end="0"/>
+                                            </p:txEl>
+                                          </p:spTgt>
+                                        </p:tgtEl>
+                                        <p:attrNameLst>
+                                          <p:attrName>style.visibility</p:attrName>
+                                        </p:attrNameLst>
+                                      </p:cBhvr>
+                                      <p:to>
+                                        <p:strVal val="visible"/>
+                                      </p:to>
+                                    </p:set>
+                                    <p:animEffect transition="in" filter="fade">
+                                      <p:cBhvr>
+                                        <p:cTn id="7" dur="500"/>
+                                        <p:tgtEl>
+                                          <p:spTgt spid="3">
+                                            <p:txEl>
+                                              <p:pRg st="0" end="0"/>
+                                            </p:txEl>
+                                          </p:spTgt>
+                                        </p:tgtEl>
+                                      </p:cBhvr>
+                                    </p:animEffect>
+                                  </p:childTnLst>
+                                </p:cTn>
+                              </p:par>
+                            </p:childTnLst>
+                          </p:cTn>
+                        </p:par>
+                      </p:childTnLst>
+                    </p:cTn>
+                  </p:par>
+                  <p:par>
+                    <p:cTn id="8" fill="hold">
+                      <p:stCondLst>
+                        <p:cond delay="indefinite"/>
+                      </p:stCondLst>
+                      <p:childTnLst>
+                        <p:par>
+                          <p:cTn id="9" fill="hold">
+                            <p:stCondLst>
+                              <p:cond delay="0"/>
+                            </p:stCondLst>
+                            <p:childTnLst>
+                              <p:par>
+                                <p:cTn id="10" presetID="10" presetClass="entr" presetSubtype="0" fill="hold" grpId="0" nodeType="clickEffect">
+                                  <p:stCondLst>
+                                    <p:cond delay="0"/>
+                                  </p:stCondLst>
+                                  <p:childTnLst>
+                                    <p:set>
+                                      <p:cBhvr>
+                                        <p:cTn id="11" dur="1" fill="hold">
+                                          <p:stCondLst>
+                                            <p:cond delay="0"/>
+                                          </p:stCondLst>
+                                        </p:cTn>
+                                        <p:tgtEl>
+                                          <p:spTgt spid="3">
+                                            <p:txEl>
+                                              <p:pRg st="1" end="1"/>
+                                            </p:txEl>
+                                          </p:spTgt>
+                                        </p:tgtEl>
+                                        <p:attrNameLst>
+                                          <p:attrName>style.visibility</p:attrName>
+                                        </p:attrNameLst>
+                                      </p:cBhvr>
+                                      <p:to>
+                                        <p:strVal val="visible"/>
+                                      </p:to>
+                                    </p:set>
+                                    <p:animEffect transition="in" filter="fade">
+                                      <p:cBhvr>
+                                        <p:cTn id="12" dur="500"/>
+                                        <p:tgtEl>
+                                          <p:spTgt spid="3">
+                                            <p:txEl>
+                                              <p:pRg st="1" end="1"/>
+                                            </p:txEl>
+                                          </p:spTgt>
+                                        </p:tgtEl>
+                                      </p:cBhvr>
+                                    </p:animEffect>
+                                  </p:childTnLst>
+                                </p:cTn>
+                              </p:par>
+                            </p:childTnLst>
+                          </p:cTn>
+                        </p:par>
+                      </p:childTnLst>
+                    </p:cTn>
+                  </p:par>
+                  <p:par>
+                    <p:cTn id="13" fill="hold">
+                      <p:stCondLst>
+                        <p:cond delay="indefinite"/>
+                      </p:stCondLst>
+                      <p:childTnLst>
+                        <p:par>
+                          <p:cTn id="14" fill="hold">
+                            <p:stCondLst>
+                              <p:cond delay="0"/>
+                            </p:stCondLst>
+                            <p:childTnLst>
+                              <p:par>
+                                <p:cTn id="15" presetID="10" presetClass="entr" presetSubtype="0" fill="hold" grpId="0" nodeType="clickEffect">
+                                  <p:stCondLst>
+                                    <p:cond delay="0"/>
+                                  </p:stCondLst>
+                                  <p:childTnLst>
+                                    <p:set>
+                                      <p:cBhvr>
+                                        <p:cTn id="16" dur="1" fill="hold">
+                                          <p:stCondLst>
+                                            <p:cond delay="0"/>
+                                          </p:stCondLst>
+                                        </p:cTn>
+                                        <p:tgtEl>
+                                          <p:spTgt spid="3">
+                                            <p:txEl>
+                                              <p:pRg st="2" end="2"/>
+                                            </p:txEl>
+                                          </p:spTgt>
+                                        </p:tgtEl>
+                                        <p:attrNameLst>
+                                          <p:attrName>style.visibility</p:attrName>
+                                        </p:attrNameLst>
+                                      </p:cBhvr>
+                                      <p:to>
+                                        <p:strVal val="visible"/>
+                                      </p:to>
+                                    </p:set>
+                                    <p:animEffect transition="in" filter="fade">
+                                      <p:cBhvr>
+                                        <p:cTn id="17" dur="500"/>
+                                        <p:tgtEl>
+                                          <p:spTgt spid="3">
+                                            <p:txEl>
+                                              <p:pRg st="2" end="2"/>
+                                            </p:txEl>
+                                          </p:spTgt>
+                                        </p:tgtEl>
+                                      </p:cBhvr>
+                                    </p:animEffect>
+                                  </p:childTnLst>
+                                </p:cTn>
+                              </p:par>
+                            </p:childTnLst>
+                          </p:cTn>
+                        </p:par>
+                      </p:childTnLst>
+                    </p:cTn>
+                  </p:par>
+                  <p:par>
+                    <p:cTn id="18" fill="hold">
+                      <p:stCondLst>
+                        <p:cond delay="indefinite"/>
+                      </p:stCondLst>
+                      <p:childTnLst>
+                        <p:par>
+                          <p:cTn id="19" fill="hold">
+                            <p:stCondLst>
+                              <p:cond delay="0"/>
+                            </p:stCondLst>
+                            <p:childTnLst>
+                              <p:par>
+                                <p:cTn id="20" presetID="10" presetClass="entr" presetSubtype="0" fill="hold" grpId="0" nodeType="clickEffect">
+                                  <p:stCondLst>
+                                    <p:cond delay="0"/>
+                                  </p:stCondLst>
+                                  <p:childTnLst>
+                                    <p:set>
+                                      <p:cBhvr>
+                                        <p:cTn id="21" dur="1" fill="hold">
+                                          <p:stCondLst>
+                                            <p:cond delay="0"/>
+                                          </p:stCondLst>
+                                        </p:cTn>
+                                        <p:tgtEl>
+                                          <p:spTgt spid="3">
+                                            <p:txEl>
+                                              <p:pRg st="3" end="3"/>
+                                            </p:txEl>
+                                          </p:spTgt>
+                                        </p:tgtEl>
+                                        <p:attrNameLst>
+                                          <p:attrName>style.visibility</p:attrName>
+                                        </p:attrNameLst>
+                                      </p:cBhvr>
+                                      <p:to>
+                                        <p:strVal val="visible"/>
+                                      </p:to>
+                                    </p:set>
+                                    <p:animEffect transition="in" filter="fade">
+                                      <p:cBhvr>
+                                        <p:cTn id="22" dur="500"/>
+                                        <p:tgtEl>
+                                          <p:spTgt spid="3">
+                                            <p:txEl>
+                                              <p:pRg st="3" end="3"/>
+                                            </p:txEl>
+                                          </p:spTgt>
+                                        </p:tgtEl>
+                                      </p:cBhvr>
+                                    </p:animEffect>
+                                  </p:childTnLst>
+                                </p:cTn>
+                              </p:par>
+                            </p:childTnLst>
+                          </p:cTn>
+                        </p:par>
+                      </p:childTnLst>
+                    </p:cTn>
+                  </p:par>
+                  <p:par>
+                    <p:cTn id="23" fill="hold">
+                      <p:stCondLst>
+                        <p:cond delay="indefinite"/>
+                      </p:stCondLst>
+                      <p:childTnLst>
+                        <p:par>
+                          <p:cTn id="24" fill="hold">
+                            <p:stCondLst>
+                              <p:cond delay="0"/>
+                            </p:stCondLst>
+                            <p:childTnLst>
+                              <p:par>
+                                <p:cTn id="25" presetID="10" presetClass="entr" presetSubtype="0" fill="hold" grpId="0" nodeType="clickEffect">
+                                  <p:stCondLst>
+                                    <p:cond delay="0"/>
+                                  </p:stCondLst>
+                                  <p:childTnLst>
+                                    <p:set>
+                                      <p:cBhvr>
+                                        <p:cTn id="26" dur="1" fill="hold">
+                                          <p:stCondLst>
+                                            <p:cond delay="0"/>
+                                          </p:stCondLst>
+                                        </p:cTn>
+                                        <p:tgtEl>
+                                          <p:spTgt spid="3">
+                                            <p:txEl>
+                                              <p:pRg st="4" end="4"/>
+                                            </p:txEl>
+                                          </p:spTgt>
+                                        </p:tgtEl>
+                                        <p:attrNameLst>
+                                          <p:attrName>style.visibility</p:attrName>
+                                        </p:attrNameLst>
+                                      </p:cBhvr>
+                                      <p:to>
+                                        <p:strVal val="visible"/>
+                                      </p:to>
+                                    </p:set>
+                                    <p:animEffect transition="in" filter="fade">
+                                      <p:cBhvr>
+                                        <p:cTn id="27" dur="500"/>
+                                        <p:tgtEl>
+                                          <p:spTgt spid="3">
+                                            <p:txEl>
+                                              <p:pRg st="4" end="4"/>
+                                            </p:txEl>
+                                          </p:spTgt>
+                                        </p:tgtEl>
+                                      </p:cBhvr>
+                                    </p:animEffect>
+                                  </p:childTnLst>
+                                </p:cTn>
+                              </p:par>
+                            </p:childTnLst>
+                          </p:cTn>
+                        </p:par>
+                      </p:childTnLst>
+                    </p:cTn>
+                  </p:par>
+                  <p:par>
+                    <p:cTn id="28" fill="hold">
+                      <p:stCondLst>
+                        <p:cond delay="indefinite"/>
+                      </p:stCondLst>
+                      <p:childTnLst>
+                        <p:par>
+                          <p:cTn id="29" fill="hold">
+                            <p:stCondLst>
+                              <p:cond delay="0"/>
+                            </p:stCondLst>
+                            <p:childTnLst>
+                              <p:par>
+                                <p:cTn id="30" presetID="10" presetClass="entr" presetSubtype="0" fill="hold" grpId="0" nodeType="clickEffect">
+                                  <p:stCondLst>
+                                    <p:cond delay="0"/>
+                                  </p:stCondLst>
+                                  <p:childTnLst>
+                                    <p:set>
+                                      <p:cBhvr>
+                                        <p:cTn id="31" dur="1" fill="hold">
+                                          <p:stCondLst>
+                                            <p:cond delay="0"/>
+                                          </p:stCondLst>
+                                        </p:cTn>
+                                        <p:tgtEl>
+                                          <p:spTgt spid="3">
+                                            <p:txEl>
+                                              <p:pRg st="5" end="5"/>
+                                            </p:txEl>
+                                          </p:spTgt>
+                                        </p:tgtEl>
+                                        <p:attrNameLst>
+                                          <p:attrName>style.visibility</p:attrName>
+                                        </p:attrNameLst>
+                                      </p:cBhvr>
+                                      <p:to>
+                                        <p:strVal val="visible"/>
+                                      </p:to>
+                                    </p:set>
+                                    <p:animEffect transition="in" filter="fade">
+                                      <p:cBhvr>
+                                        <p:cTn id="32" dur="500"/>
+                                        <p:tgtEl>
+                                          <p:spTgt spid="3">
+                                            <p:txEl>
+                                              <p:pRg st="5" end="5"/>
+                                            </p:txEl>
+                                          </p:spTgt>
+                                        </p:tgtEl>
+                                      </p:cBhvr>
+                                    </p:animEffect>
+                                  </p:childTnLst>
+                                </p:cTn>
+                              </p:par>
+                            </p:childTnLst>
+                          </p:cTn>
+                        </p:par>
+                      </p:childTnLst>
+                    </p:cTn>
+                  </p:par>
+                </p:childTnLst>
+              </p:cTn>
+              <p:prevCondLst>
+                <p:cond evt="onPrev" delay="0">
+                  <p:tgtEl>
+                    <p:sldTgt/>
+                  </p:tgtEl>
+                </p:cond>
+              </p:prevCondLst>
+              <p:nextCondLst>
+                <p:cond evt="onNext" delay="0">
+                  <p:tgtEl>
+                    <p:sldTgt/>
+                  </p:tgtEl>
+                </p:cond>
+              </p:nextCondLst>
+            </p:seq>
+          </p:childTnLst>
+        </p:cTn>
+      </p:par>
+    </p:tnLst>
+    <p:bldLst>
+      <p:bldP spid="3" grpId="0" build="p"/>
+    </p:bldLst>
+  </p:timing>
+</p:sld>
+</file>
+
+<file path=ppt/slides/slide11.xml><?xml version="1.0" encoding="utf-8"?>
+<p:sld xmlns:a="http://schemas.openxmlformats.org/drawingml/2006/main" xmlns:r="http://schemas.openxmlformats.org/officeDocument/2006/relationships" xmlns:p="http://schemas.openxmlformats.org/presentationml/2006/main">
+  <p:cSld>
+    <p:spTree>
+      <p:nvGrpSpPr>
+        <p:cNvPr id="1" name=""/>
+        <p:cNvGrpSpPr/>
+        <p:nvPr/>
+      </p:nvGrpSpPr>
+      <p:grpSpPr>
+        <a:xfrm>
+          <a:off x="0" y="0"/>
+          <a:ext cx="0" cy="0"/>
+          <a:chOff x="0" y="0"/>
+          <a:chExt cx="0" cy="0"/>
+        </a:xfrm>
+      </p:grpSpPr>
+      <p:sp>
+        <p:nvSpPr>
+          <p:cNvPr id="2" name="Title 1"/>
+          <p:cNvSpPr>
+            <a:spLocks noGrp="1"/>
+          </p:cNvSpPr>
+          <p:nvPr>
+            <p:ph type="title"/>
+          </p:nvPr>
+        </p:nvSpPr>
+        <p:spPr/>
+        <p:txBody>
+          <a:bodyPr/>
+          <a:lstStyle/>
+          <a:p>
+            <a:r>
+              <a:rPr lang="en-US" dirty="0" smtClean="0"/>
+              <a:t>Practice #2</a:t>
+            </a:r>
+            <a:endParaRPr lang="en-US" dirty="0"/>
+          </a:p>
+        </p:txBody>
+      </p:sp>
+      <p:sp>
+        <p:nvSpPr>
+          <p:cNvPr id="3" name="Content Placeholder 2"/>
+          <p:cNvSpPr>
+            <a:spLocks noGrp="1"/>
+          </p:cNvSpPr>
+          <p:nvPr>
+            <p:ph idx="1"/>
+          </p:nvPr>
+        </p:nvSpPr>
+        <p:spPr/>
+        <p:txBody>
+          <a:bodyPr>
+            <a:normAutofit fontScale="92500" lnSpcReduction="10000"/>
+          </a:bodyPr>
+          <a:lstStyle/>
+          <a:p>
+            <a:r>
+              <a:rPr lang="en-US" dirty="0" smtClean="0"/>
+              <a:t>What are my chances of winning the lotter assuming I have to pick 6 matching numbers from a list of 100 numbers and I only buy 1 ticket?</a:t>
+            </a:r>
+          </a:p>
+          <a:p>
+            <a:r>
+              <a:rPr lang="en-US" dirty="0" smtClean="0"/>
+              <a:t>Does order matter?</a:t>
+            </a:r>
+          </a:p>
+          <a:p>
+            <a:r>
+              <a:rPr lang="en-US" dirty="0" smtClean="0"/>
+              <a:t>Is {1,2,3,4,5,6} = {6,5,4,3,2,1}? </a:t>
+            </a:r>
+          </a:p>
+          <a:p>
+            <a:r>
+              <a:rPr lang="en-US" dirty="0" smtClean="0"/>
+              <a:t>Yes!  Therefore order DOES NOT MATTER</a:t>
+            </a:r>
+          </a:p>
+          <a:p>
+            <a:r>
+              <a:rPr lang="en-US" dirty="0" smtClean="0"/>
+              <a:t>C(100,6) = 100! / [6!(100-6)!] = 100! / (6!*94!)</a:t>
+            </a:r>
+          </a:p>
+          <a:p>
+            <a:r>
+              <a:rPr lang="en-US" dirty="0" smtClean="0"/>
+              <a:t>Now make it a ratio to answer the question: 1 / C(100,6)</a:t>
+            </a:r>
+            <a:endParaRPr lang="en-US" dirty="0"/>
+          </a:p>
+        </p:txBody>
+      </p:sp>
+    </p:spTree>
+    <p:extLst>
+      <p:ext uri="{BB962C8B-B14F-4D97-AF65-F5344CB8AC3E}">
+        <p14:creationId xmlns:p14="http://schemas.microsoft.com/office/powerpoint/2010/main" val="3516078417"/>
+      </p:ext>
+    </p:extLst>
+  </p:cSld>
+  <p:clrMapOvr>
+    <a:masterClrMapping/>
+  </p:clrMapOvr>
+  <p:timing>
+    <p:tnLst>
+      <p:par>
+        <p:cTn id="1" dur="indefinite" restart="never" nodeType="tmRoot">
+          <p:childTnLst>
+            <p:seq concurrent="1" nextAc="seek">
+              <p:cTn id="2" dur="indefinite" nodeType="mainSeq">
+                <p:childTnLst>
+                  <p:par>
+                    <p:cTn id="3" fill="hold">
+                      <p:stCondLst>
+                        <p:cond delay="indefinite"/>
+                      </p:stCondLst>
+                      <p:childTnLst>
+                        <p:par>
+                          <p:cTn id="4" fill="hold">
+                            <p:stCondLst>
+                              <p:cond delay="0"/>
+                            </p:stCondLst>
+                            <p:childTnLst>
+                              <p:par>
+                                <p:cTn id="5" presetID="10" presetClass="entr" presetSubtype="0" fill="hold" grpId="0" nodeType="clickEffect">
+                                  <p:stCondLst>
+                                    <p:cond delay="0"/>
+                                  </p:stCondLst>
+                                  <p:childTnLst>
+                                    <p:set>
+                                      <p:cBhvr>
+                                        <p:cTn id="6" dur="1" fill="hold">
+                                          <p:stCondLst>
+                                            <p:cond delay="0"/>
+                                          </p:stCondLst>
+                                        </p:cTn>
+                                        <p:tgtEl>
+                                          <p:spTgt spid="3">
+                                            <p:txEl>
+                                              <p:pRg st="0" end="0"/>
+                                            </p:txEl>
+                                          </p:spTgt>
+                                        </p:tgtEl>
+                                        <p:attrNameLst>
+                                          <p:attrName>style.visibility</p:attrName>
+                                        </p:attrNameLst>
+                                      </p:cBhvr>
+                                      <p:to>
+                                        <p:strVal val="visible"/>
+                                      </p:to>
+                                    </p:set>
+                                    <p:animEffect transition="in" filter="fade">
+                                      <p:cBhvr>
+                                        <p:cTn id="7" dur="500"/>
+                                        <p:tgtEl>
+                                          <p:spTgt spid="3">
+                                            <p:txEl>
+                                              <p:pRg st="0" end="0"/>
+                                            </p:txEl>
+                                          </p:spTgt>
+                                        </p:tgtEl>
+                                      </p:cBhvr>
+                                    </p:animEffect>
+                                  </p:childTnLst>
+                                </p:cTn>
+                              </p:par>
+                            </p:childTnLst>
+                          </p:cTn>
+                        </p:par>
+                      </p:childTnLst>
+                    </p:cTn>
+                  </p:par>
+                  <p:par>
+                    <p:cTn id="8" fill="hold">
+                      <p:stCondLst>
+                        <p:cond delay="indefinite"/>
+                      </p:stCondLst>
+                      <p:childTnLst>
+                        <p:par>
+                          <p:cTn id="9" fill="hold">
+                            <p:stCondLst>
+                              <p:cond delay="0"/>
+                            </p:stCondLst>
+                            <p:childTnLst>
+                              <p:par>
+                                <p:cTn id="10" presetID="10" presetClass="entr" presetSubtype="0" fill="hold" grpId="0" nodeType="clickEffect">
+                                  <p:stCondLst>
+                                    <p:cond delay="0"/>
+                                  </p:stCondLst>
+                                  <p:childTnLst>
+                                    <p:set>
+                                      <p:cBhvr>
+                                        <p:cTn id="11" dur="1" fill="hold">
+                                          <p:stCondLst>
+                                            <p:cond delay="0"/>
+                                          </p:stCondLst>
+                                        </p:cTn>
+                                        <p:tgtEl>
+                                          <p:spTgt spid="3">
+                                            <p:txEl>
+                                              <p:pRg st="1" end="1"/>
+                                            </p:txEl>
+                                          </p:spTgt>
+                                        </p:tgtEl>
+                                        <p:attrNameLst>
+                                          <p:attrName>style.visibility</p:attrName>
+                                        </p:attrNameLst>
+                                      </p:cBhvr>
+                                      <p:to>
+                                        <p:strVal val="visible"/>
+                                      </p:to>
+                                    </p:set>
+                                    <p:animEffect transition="in" filter="fade">
+                                      <p:cBhvr>
+                                        <p:cTn id="12" dur="500"/>
+                                        <p:tgtEl>
+                                          <p:spTgt spid="3">
+                                            <p:txEl>
+                                              <p:pRg st="1" end="1"/>
+                                            </p:txEl>
+                                          </p:spTgt>
+                                        </p:tgtEl>
+                                      </p:cBhvr>
+                                    </p:animEffect>
+                                  </p:childTnLst>
+                                </p:cTn>
+                              </p:par>
+                            </p:childTnLst>
+                          </p:cTn>
+                        </p:par>
+                      </p:childTnLst>
+                    </p:cTn>
+                  </p:par>
+                  <p:par>
+                    <p:cTn id="13" fill="hold">
+                      <p:stCondLst>
+                        <p:cond delay="indefinite"/>
+                      </p:stCondLst>
+                      <p:childTnLst>
+                        <p:par>
+                          <p:cTn id="14" fill="hold">
+                            <p:stCondLst>
+                              <p:cond delay="0"/>
+                            </p:stCondLst>
+                            <p:childTnLst>
+                              <p:par>
+                                <p:cTn id="15" presetID="10" presetClass="entr" presetSubtype="0" fill="hold" grpId="0" nodeType="clickEffect">
+                                  <p:stCondLst>
+                                    <p:cond delay="0"/>
+                                  </p:stCondLst>
+                                  <p:childTnLst>
+                                    <p:set>
+                                      <p:cBhvr>
+                                        <p:cTn id="16" dur="1" fill="hold">
+                                          <p:stCondLst>
+                                            <p:cond delay="0"/>
+                                          </p:stCondLst>
+                                        </p:cTn>
+                                        <p:tgtEl>
+                                          <p:spTgt spid="3">
+                                            <p:txEl>
+                                              <p:pRg st="2" end="2"/>
+                                            </p:txEl>
+                                          </p:spTgt>
+                                        </p:tgtEl>
+                                        <p:attrNameLst>
+                                          <p:attrName>style.visibility</p:attrName>
+                                        </p:attrNameLst>
+                                      </p:cBhvr>
+                                      <p:to>
+                                        <p:strVal val="visible"/>
+                                      </p:to>
+                                    </p:set>
+                                    <p:animEffect transition="in" filter="fade">
+                                      <p:cBhvr>
+                                        <p:cTn id="17" dur="500"/>
+                                        <p:tgtEl>
+                                          <p:spTgt spid="3">
+                                            <p:txEl>
+                                              <p:pRg st="2" end="2"/>
+                                            </p:txEl>
+                                          </p:spTgt>
+                                        </p:tgtEl>
+                                      </p:cBhvr>
+                                    </p:animEffect>
+                                  </p:childTnLst>
+                                </p:cTn>
+                              </p:par>
+                            </p:childTnLst>
+                          </p:cTn>
+                        </p:par>
+                      </p:childTnLst>
+                    </p:cTn>
+                  </p:par>
+                  <p:par>
+                    <p:cTn id="18" fill="hold">
+                      <p:stCondLst>
+                        <p:cond delay="indefinite"/>
+                      </p:stCondLst>
+                      <p:childTnLst>
+                        <p:par>
+                          <p:cTn id="19" fill="hold">
+                            <p:stCondLst>
+                              <p:cond delay="0"/>
+                            </p:stCondLst>
+                            <p:childTnLst>
+                              <p:par>
+                                <p:cTn id="20" presetID="10" presetClass="entr" presetSubtype="0" fill="hold" grpId="0" nodeType="clickEffect">
+                                  <p:stCondLst>
+                                    <p:cond delay="0"/>
+                                  </p:stCondLst>
+                                  <p:childTnLst>
+                                    <p:set>
+                                      <p:cBhvr>
+                                        <p:cTn id="21" dur="1" fill="hold">
+                                          <p:stCondLst>
+                                            <p:cond delay="0"/>
+                                          </p:stCondLst>
+                                        </p:cTn>
+                                        <p:tgtEl>
+                                          <p:spTgt spid="3">
+                                            <p:txEl>
+                                              <p:pRg st="3" end="3"/>
+                                            </p:txEl>
+                                          </p:spTgt>
+                                        </p:tgtEl>
+                                        <p:attrNameLst>
+                                          <p:attrName>style.visibility</p:attrName>
+                                        </p:attrNameLst>
+                                      </p:cBhvr>
+                                      <p:to>
+                                        <p:strVal val="visible"/>
+                                      </p:to>
+                                    </p:set>
+                                    <p:animEffect transition="in" filter="fade">
+                                      <p:cBhvr>
+                                        <p:cTn id="22" dur="500"/>
+                                        <p:tgtEl>
+                                          <p:spTgt spid="3">
+                                            <p:txEl>
+                                              <p:pRg st="3" end="3"/>
+                                            </p:txEl>
+                                          </p:spTgt>
+                                        </p:tgtEl>
+                                      </p:cBhvr>
+                                    </p:animEffect>
+                                  </p:childTnLst>
+                                </p:cTn>
+                              </p:par>
+                            </p:childTnLst>
+                          </p:cTn>
+                        </p:par>
+                      </p:childTnLst>
+                    </p:cTn>
+                  </p:par>
+                  <p:par>
+                    <p:cTn id="23" fill="hold">
+                      <p:stCondLst>
+                        <p:cond delay="indefinite"/>
+                      </p:stCondLst>
+                      <p:childTnLst>
+                        <p:par>
+                          <p:cTn id="24" fill="hold">
+                            <p:stCondLst>
+                              <p:cond delay="0"/>
+                            </p:stCondLst>
+                            <p:childTnLst>
+                              <p:par>
+                                <p:cTn id="25" presetID="10" presetClass="entr" presetSubtype="0" fill="hold" grpId="0" nodeType="clickEffect">
+                                  <p:stCondLst>
+                                    <p:cond delay="0"/>
+                                  </p:stCondLst>
+                                  <p:childTnLst>
+                                    <p:set>
+                                      <p:cBhvr>
+                                        <p:cTn id="26" dur="1" fill="hold">
+                                          <p:stCondLst>
+                                            <p:cond delay="0"/>
+                                          </p:stCondLst>
+                                        </p:cTn>
+                                        <p:tgtEl>
+                                          <p:spTgt spid="3">
+                                            <p:txEl>
+                                              <p:pRg st="4" end="4"/>
+                                            </p:txEl>
+                                          </p:spTgt>
+                                        </p:tgtEl>
+                                        <p:attrNameLst>
+                                          <p:attrName>style.visibility</p:attrName>
+                                        </p:attrNameLst>
+                                      </p:cBhvr>
+                                      <p:to>
+                                        <p:strVal val="visible"/>
+                                      </p:to>
+                                    </p:set>
+                                    <p:animEffect transition="in" filter="fade">
+                                      <p:cBhvr>
+                                        <p:cTn id="27" dur="500"/>
+                                        <p:tgtEl>
+                                          <p:spTgt spid="3">
+                                            <p:txEl>
+                                              <p:pRg st="4" end="4"/>
+                                            </p:txEl>
+                                          </p:spTgt>
+                                        </p:tgtEl>
+                                      </p:cBhvr>
+                                    </p:animEffect>
+                                  </p:childTnLst>
+                                </p:cTn>
+                              </p:par>
+                            </p:childTnLst>
+                          </p:cTn>
+                        </p:par>
+                      </p:childTnLst>
+                    </p:cTn>
+                  </p:par>
+                  <p:par>
+                    <p:cTn id="28" fill="hold">
+                      <p:stCondLst>
+                        <p:cond delay="indefinite"/>
+                      </p:stCondLst>
+                      <p:childTnLst>
+                        <p:par>
+                          <p:cTn id="29" fill="hold">
+                            <p:stCondLst>
+                              <p:cond delay="0"/>
+                            </p:stCondLst>
+                            <p:childTnLst>
+                              <p:par>
+                                <p:cTn id="30" presetID="10" presetClass="entr" presetSubtype="0" fill="hold" grpId="0" nodeType="clickEffect">
+                                  <p:stCondLst>
+                                    <p:cond delay="0"/>
+                                  </p:stCondLst>
+                                  <p:childTnLst>
+                                    <p:set>
+                                      <p:cBhvr>
+                                        <p:cTn id="31" dur="1" fill="hold">
+                                          <p:stCondLst>
+                                            <p:cond delay="0"/>
+                                          </p:stCondLst>
+                                        </p:cTn>
+                                        <p:tgtEl>
+                                          <p:spTgt spid="3">
+                                            <p:txEl>
+                                              <p:pRg st="5" end="5"/>
+                                            </p:txEl>
+                                          </p:spTgt>
+                                        </p:tgtEl>
+                                        <p:attrNameLst>
+                                          <p:attrName>style.visibility</p:attrName>
+                                        </p:attrNameLst>
+                                      </p:cBhvr>
+                                      <p:to>
+                                        <p:strVal val="visible"/>
+                                      </p:to>
+                                    </p:set>
+                                    <p:animEffect transition="in" filter="fade">
+                                      <p:cBhvr>
+                                        <p:cTn id="32" dur="500"/>
+                                        <p:tgtEl>
+                                          <p:spTgt spid="3">
+                                            <p:txEl>
+                                              <p:pRg st="5" end="5"/>
+                                            </p:txEl>
+                                          </p:spTgt>
+                                        </p:tgtEl>
+                                      </p:cBhvr>
+                                    </p:animEffect>
+                                  </p:childTnLst>
+                                </p:cTn>
+                              </p:par>
+                            </p:childTnLst>
+                          </p:cTn>
+                        </p:par>
+                      </p:childTnLst>
+                    </p:cTn>
+                  </p:par>
+                </p:childTnLst>
+              </p:cTn>
+              <p:prevCondLst>
+                <p:cond evt="onPrev" delay="0">
+                  <p:tgtEl>
+                    <p:sldTgt/>
+                  </p:tgtEl>
+                </p:cond>
+              </p:prevCondLst>
+              <p:nextCondLst>
+                <p:cond evt="onNext" delay="0">
+                  <p:tgtEl>
+                    <p:sldTgt/>
+                  </p:tgtEl>
+                </p:cond>
+              </p:nextCondLst>
+            </p:seq>
+          </p:childTnLst>
+        </p:cTn>
+      </p:par>
+    </p:tnLst>
+    <p:bldLst>
+      <p:bldP spid="3" grpId="0" build="p"/>
+    </p:bldLst>
+  </p:timing>
+</p:sld>
+</file>
+
+<file path=ppt/slides/slide12.xml><?xml version="1.0" encoding="utf-8"?>
+<p:sld xmlns:a="http://schemas.openxmlformats.org/drawingml/2006/main" xmlns:r="http://schemas.openxmlformats.org/officeDocument/2006/relationships" xmlns:p="http://schemas.openxmlformats.org/presentationml/2006/main">
+  <p:cSld>
+    <p:spTree>
+      <p:nvGrpSpPr>
+        <p:cNvPr id="1" name=""/>
+        <p:cNvGrpSpPr/>
+        <p:nvPr/>
+      </p:nvGrpSpPr>
+      <p:grpSpPr>
+        <a:xfrm>
+          <a:off x="0" y="0"/>
+          <a:ext cx="0" cy="0"/>
+          <a:chOff x="0" y="0"/>
+          <a:chExt cx="0" cy="0"/>
+        </a:xfrm>
+      </p:grpSpPr>
+      <p:sp>
+        <p:nvSpPr>
+          <p:cNvPr id="2" name="Title 1"/>
+          <p:cNvSpPr>
+            <a:spLocks noGrp="1"/>
+          </p:cNvSpPr>
+          <p:nvPr>
+            <p:ph type="title"/>
+          </p:nvPr>
+        </p:nvSpPr>
+        <p:spPr/>
+        <p:txBody>
+          <a:bodyPr/>
+          <a:lstStyle/>
+          <a:p>
+            <a:r>
+              <a:rPr lang="en-US" dirty="0" smtClean="0"/>
+              <a:t>Practice #3</a:t>
+            </a:r>
+            <a:endParaRPr lang="en-US" dirty="0"/>
+          </a:p>
+        </p:txBody>
+      </p:sp>
+      <p:sp>
+        <p:nvSpPr>
+          <p:cNvPr id="3" name="Content Placeholder 2"/>
+          <p:cNvSpPr>
+            <a:spLocks noGrp="1"/>
+          </p:cNvSpPr>
+          <p:nvPr>
+            <p:ph idx="1"/>
+          </p:nvPr>
+        </p:nvSpPr>
+        <p:spPr>
+          <a:xfrm>
+            <a:off x="1141412" y="2249486"/>
+            <a:ext cx="9905999" cy="4043737"/>
+          </a:xfrm>
+        </p:spPr>
+        <p:txBody>
+          <a:bodyPr>
+            <a:normAutofit fontScale="70000" lnSpcReduction="20000"/>
+          </a:bodyPr>
+          <a:lstStyle/>
+          <a:p>
+            <a:r>
+              <a:rPr lang="en-US" dirty="0" smtClean="0"/>
+              <a:t>How many ways can we arrange the letters TALLAHASSEE if no two vowels can be adjacent?</a:t>
+            </a:r>
+          </a:p>
+          <a:p>
+            <a:r>
+              <a:rPr lang="en-US" dirty="0" smtClean="0"/>
+              <a:t>Arrange all consonants: TLLHSS</a:t>
+            </a:r>
+          </a:p>
+          <a:p>
+            <a:r>
+              <a:rPr lang="en-US" dirty="0" smtClean="0"/>
+              <a:t>This is arrangement with duplicates: 6 letters, 2 L’s and 2 S’s = 6! / 2!*2!</a:t>
+            </a:r>
+          </a:p>
+          <a:p>
+            <a:r>
+              <a:rPr lang="en-US" dirty="0" smtClean="0"/>
+              <a:t>Now figure out how many spots are available for vowels?</a:t>
+            </a:r>
+          </a:p>
+          <a:p>
+            <a:r>
+              <a:rPr lang="en-US" dirty="0" smtClean="0"/>
+              <a:t>_ T _ L _ L _ H _ S _ S _ = 7 available spots for 5 vowels</a:t>
+            </a:r>
+          </a:p>
+          <a:p>
+            <a:r>
+              <a:rPr lang="en-US" dirty="0" smtClean="0"/>
+              <a:t>Order DOES NOT matter, therefore C(7,5)</a:t>
+            </a:r>
+          </a:p>
+          <a:p>
+            <a:r>
+              <a:rPr lang="en-US" dirty="0" smtClean="0"/>
+              <a:t>Now arrange the vowels (AAAEE).  Arrangement with duplicates:</a:t>
+            </a:r>
+          </a:p>
+          <a:p>
+            <a:r>
+              <a:rPr lang="en-US" dirty="0" smtClean="0"/>
+              <a:t>5! / (3!*2!)</a:t>
+            </a:r>
+          </a:p>
+          <a:p>
+            <a:r>
+              <a:rPr lang="en-US" dirty="0" smtClean="0"/>
+              <a:t>Now we have to “and” all of these together:</a:t>
+            </a:r>
+          </a:p>
+          <a:p>
+            <a:r>
+              <a:rPr lang="en-US" dirty="0" smtClean="0"/>
+              <a:t>[6! / 2! * 2!] * [C(7,5)] * [5!/(3!*2!)]</a:t>
+            </a:r>
+            <a:endParaRPr lang="en-US" dirty="0"/>
+          </a:p>
+        </p:txBody>
+      </p:sp>
+    </p:spTree>
+    <p:extLst>
+      <p:ext uri="{BB962C8B-B14F-4D97-AF65-F5344CB8AC3E}">
+        <p14:creationId xmlns:p14="http://schemas.microsoft.com/office/powerpoint/2010/main" val="2883543706"/>
+      </p:ext>
+    </p:extLst>
+  </p:cSld>
+  <p:clrMapOvr>
+    <a:masterClrMapping/>
+  </p:clrMapOvr>
+  <p:timing>
+    <p:tnLst>
+      <p:par>
+        <p:cTn id="1" dur="indefinite" restart="never" nodeType="tmRoot">
+          <p:childTnLst>
+            <p:seq concurrent="1" nextAc="seek">
+              <p:cTn id="2" dur="indefinite" nodeType="mainSeq">
+                <p:childTnLst>
+                  <p:par>
+                    <p:cTn id="3" fill="hold">
+                      <p:stCondLst>
+                        <p:cond delay="indefinite"/>
+                      </p:stCondLst>
+                      <p:childTnLst>
+                        <p:par>
+                          <p:cTn id="4" fill="hold">
+                            <p:stCondLst>
+                              <p:cond delay="0"/>
+                            </p:stCondLst>
+                            <p:childTnLst>
+                              <p:par>
+                                <p:cTn id="5" presetID="10" presetClass="entr" presetSubtype="0" fill="hold" grpId="0" nodeType="clickEffect">
+                                  <p:stCondLst>
+                                    <p:cond delay="0"/>
+                                  </p:stCondLst>
+                                  <p:childTnLst>
+                                    <p:set>
+                                      <p:cBhvr>
+                                        <p:cTn id="6" dur="1" fill="hold">
+                                          <p:stCondLst>
+                                            <p:cond delay="0"/>
+                                          </p:stCondLst>
+                                        </p:cTn>
+                                        <p:tgtEl>
+                                          <p:spTgt spid="3">
+                                            <p:txEl>
+                                              <p:pRg st="0" end="0"/>
+                                            </p:txEl>
+                                          </p:spTgt>
+                                        </p:tgtEl>
+                                        <p:attrNameLst>
+                                          <p:attrName>style.visibility</p:attrName>
+                                        </p:attrNameLst>
+                                      </p:cBhvr>
+                                      <p:to>
+                                        <p:strVal val="visible"/>
+                                      </p:to>
+                                    </p:set>
+                                    <p:animEffect transition="in" filter="fade">
+                                      <p:cBhvr>
+                                        <p:cTn id="7" dur="500"/>
+                                        <p:tgtEl>
+                                          <p:spTgt spid="3">
+                                            <p:txEl>
+                                              <p:pRg st="0" end="0"/>
+                                            </p:txEl>
+                                          </p:spTgt>
+                                        </p:tgtEl>
+                                      </p:cBhvr>
+                                    </p:animEffect>
+                                  </p:childTnLst>
+                                </p:cTn>
+                              </p:par>
+                            </p:childTnLst>
+                          </p:cTn>
+                        </p:par>
+                      </p:childTnLst>
+                    </p:cTn>
+                  </p:par>
+                  <p:par>
+                    <p:cTn id="8" fill="hold">
+                      <p:stCondLst>
+                        <p:cond delay="indefinite"/>
+                      </p:stCondLst>
+                      <p:childTnLst>
+                        <p:par>
+                          <p:cTn id="9" fill="hold">
+                            <p:stCondLst>
+                              <p:cond delay="0"/>
+                            </p:stCondLst>
+                            <p:childTnLst>
+                              <p:par>
+                                <p:cTn id="10" presetID="10" presetClass="entr" presetSubtype="0" fill="hold" grpId="0" nodeType="clickEffect">
+                                  <p:stCondLst>
+                                    <p:cond delay="0"/>
+                                  </p:stCondLst>
+                                  <p:childTnLst>
+                                    <p:set>
+                                      <p:cBhvr>
+                                        <p:cTn id="11" dur="1" fill="hold">
+                                          <p:stCondLst>
+                                            <p:cond delay="0"/>
+                                          </p:stCondLst>
+                                        </p:cTn>
+                                        <p:tgtEl>
+                                          <p:spTgt spid="3">
+                                            <p:txEl>
+                                              <p:pRg st="1" end="1"/>
+                                            </p:txEl>
+                                          </p:spTgt>
+                                        </p:tgtEl>
+                                        <p:attrNameLst>
+                                          <p:attrName>style.visibility</p:attrName>
+                                        </p:attrNameLst>
+                                      </p:cBhvr>
+                                      <p:to>
+                                        <p:strVal val="visible"/>
+                                      </p:to>
+                                    </p:set>
+                                    <p:animEffect transition="in" filter="fade">
+                                      <p:cBhvr>
+                                        <p:cTn id="12" dur="500"/>
+                                        <p:tgtEl>
+                                          <p:spTgt spid="3">
+                                            <p:txEl>
+                                              <p:pRg st="1" end="1"/>
+                                            </p:txEl>
+                                          </p:spTgt>
+                                        </p:tgtEl>
+                                      </p:cBhvr>
+                                    </p:animEffect>
+                                  </p:childTnLst>
+                                </p:cTn>
+                              </p:par>
+                            </p:childTnLst>
+                          </p:cTn>
+                        </p:par>
+                      </p:childTnLst>
+                    </p:cTn>
+                  </p:par>
+                  <p:par>
+                    <p:cTn id="13" fill="hold">
+                      <p:stCondLst>
+                        <p:cond delay="indefinite"/>
+                      </p:stCondLst>
+                      <p:childTnLst>
+                        <p:par>
+                          <p:cTn id="14" fill="hold">
+                            <p:stCondLst>
+                              <p:cond delay="0"/>
+                            </p:stCondLst>
+                            <p:childTnLst>
+                              <p:par>
+                                <p:cTn id="15" presetID="10" presetClass="entr" presetSubtype="0" fill="hold" grpId="0" nodeType="clickEffect">
+                                  <p:stCondLst>
+                                    <p:cond delay="0"/>
+                                  </p:stCondLst>
+                                  <p:childTnLst>
+                                    <p:set>
+                                      <p:cBhvr>
+                                        <p:cTn id="16" dur="1" fill="hold">
+                                          <p:stCondLst>
+                                            <p:cond delay="0"/>
+                                          </p:stCondLst>
+                                        </p:cTn>
+                                        <p:tgtEl>
+                                          <p:spTgt spid="3">
+                                            <p:txEl>
+                                              <p:pRg st="2" end="2"/>
+                                            </p:txEl>
+                                          </p:spTgt>
+                                        </p:tgtEl>
+                                        <p:attrNameLst>
+                                          <p:attrName>style.visibility</p:attrName>
+                                        </p:attrNameLst>
+                                      </p:cBhvr>
+                                      <p:to>
+                                        <p:strVal val="visible"/>
+                                      </p:to>
+                                    </p:set>
+                                    <p:animEffect transition="in" filter="fade">
+                                      <p:cBhvr>
+                                        <p:cTn id="17" dur="500"/>
+                                        <p:tgtEl>
+                                          <p:spTgt spid="3">
+                                            <p:txEl>
+                                              <p:pRg st="2" end="2"/>
+                                            </p:txEl>
+                                          </p:spTgt>
+                                        </p:tgtEl>
+                                      </p:cBhvr>
+                                    </p:animEffect>
+                                  </p:childTnLst>
+                                </p:cTn>
+                              </p:par>
+                            </p:childTnLst>
+                          </p:cTn>
+                        </p:par>
+                      </p:childTnLst>
+                    </p:cTn>
+                  </p:par>
+                  <p:par>
+                    <p:cTn id="18" fill="hold">
+                      <p:stCondLst>
+                        <p:cond delay="indefinite"/>
+                      </p:stCondLst>
+                      <p:childTnLst>
+                        <p:par>
+                          <p:cTn id="19" fill="hold">
+                            <p:stCondLst>
+                              <p:cond delay="0"/>
+                            </p:stCondLst>
+                            <p:childTnLst>
+                              <p:par>
+                                <p:cTn id="20" presetID="10" presetClass="entr" presetSubtype="0" fill="hold" grpId="0" nodeType="clickEffect">
+                                  <p:stCondLst>
+                                    <p:cond delay="0"/>
+                                  </p:stCondLst>
+                                  <p:childTnLst>
+                                    <p:set>
+                                      <p:cBhvr>
+                                        <p:cTn id="21" dur="1" fill="hold">
+                                          <p:stCondLst>
+                                            <p:cond delay="0"/>
+                                          </p:stCondLst>
+                                        </p:cTn>
+                                        <p:tgtEl>
+                                          <p:spTgt spid="3">
+                                            <p:txEl>
+                                              <p:pRg st="3" end="3"/>
+                                            </p:txEl>
+                                          </p:spTgt>
+                                        </p:tgtEl>
+                                        <p:attrNameLst>
+                                          <p:attrName>style.visibility</p:attrName>
+                                        </p:attrNameLst>
+                                      </p:cBhvr>
+                                      <p:to>
+                                        <p:strVal val="visible"/>
+                                      </p:to>
+                                    </p:set>
+                                    <p:animEffect transition="in" filter="fade">
+                                      <p:cBhvr>
+                                        <p:cTn id="22" dur="500"/>
+                                        <p:tgtEl>
+                                          <p:spTgt spid="3">
+                                            <p:txEl>
+                                              <p:pRg st="3" end="3"/>
+                                            </p:txEl>
+                                          </p:spTgt>
+                                        </p:tgtEl>
+                                      </p:cBhvr>
+                                    </p:animEffect>
+                                  </p:childTnLst>
+                                </p:cTn>
+                              </p:par>
+                            </p:childTnLst>
+                          </p:cTn>
+                        </p:par>
+                      </p:childTnLst>
+                    </p:cTn>
+                  </p:par>
+                  <p:par>
+                    <p:cTn id="23" fill="hold">
+                      <p:stCondLst>
+                        <p:cond delay="indefinite"/>
+                      </p:stCondLst>
+                      <p:childTnLst>
+                        <p:par>
+                          <p:cTn id="24" fill="hold">
+                            <p:stCondLst>
+                              <p:cond delay="0"/>
+                            </p:stCondLst>
+                            <p:childTnLst>
+                              <p:par>
+                                <p:cTn id="25" presetID="10" presetClass="entr" presetSubtype="0" fill="hold" grpId="0" nodeType="clickEffect">
+                                  <p:stCondLst>
+                                    <p:cond delay="0"/>
+                                  </p:stCondLst>
+                                  <p:childTnLst>
+                                    <p:set>
+                                      <p:cBhvr>
+                                        <p:cTn id="26" dur="1" fill="hold">
+                                          <p:stCondLst>
+                                            <p:cond delay="0"/>
+                                          </p:stCondLst>
+                                        </p:cTn>
+                                        <p:tgtEl>
+                                          <p:spTgt spid="3">
+                                            <p:txEl>
+                                              <p:pRg st="4" end="4"/>
+                                            </p:txEl>
+                                          </p:spTgt>
+                                        </p:tgtEl>
+                                        <p:attrNameLst>
+                                          <p:attrName>style.visibility</p:attrName>
+                                        </p:attrNameLst>
+                                      </p:cBhvr>
+                                      <p:to>
+                                        <p:strVal val="visible"/>
+                                      </p:to>
+                                    </p:set>
+                                    <p:animEffect transition="in" filter="fade">
+                                      <p:cBhvr>
+                                        <p:cTn id="27" dur="500"/>
+                                        <p:tgtEl>
+                                          <p:spTgt spid="3">
+                                            <p:txEl>
+                                              <p:pRg st="4" end="4"/>
+                                            </p:txEl>
+                                          </p:spTgt>
+                                        </p:tgtEl>
+                                      </p:cBhvr>
+                                    </p:animEffect>
+                                  </p:childTnLst>
+                                </p:cTn>
+                              </p:par>
+                            </p:childTnLst>
+                          </p:cTn>
+                        </p:par>
+                      </p:childTnLst>
+                    </p:cTn>
+                  </p:par>
+                  <p:par>
+                    <p:cTn id="28" fill="hold">
+                      <p:stCondLst>
+                        <p:cond delay="indefinite"/>
+                      </p:stCondLst>
+                      <p:childTnLst>
+                        <p:par>
+                          <p:cTn id="29" fill="hold">
+                            <p:stCondLst>
+                              <p:cond delay="0"/>
+                            </p:stCondLst>
+                            <p:childTnLst>
+                              <p:par>
+                                <p:cTn id="30" presetID="10" presetClass="entr" presetSubtype="0" fill="hold" grpId="0" nodeType="clickEffect">
+                                  <p:stCondLst>
+                                    <p:cond delay="0"/>
+                                  </p:stCondLst>
+                                  <p:childTnLst>
+                                    <p:set>
+                                      <p:cBhvr>
+                                        <p:cTn id="31" dur="1" fill="hold">
+                                          <p:stCondLst>
+                                            <p:cond delay="0"/>
+                                          </p:stCondLst>
+                                        </p:cTn>
+                                        <p:tgtEl>
+                                          <p:spTgt spid="3">
+                                            <p:txEl>
+                                              <p:pRg st="5" end="5"/>
+                                            </p:txEl>
+                                          </p:spTgt>
+                                        </p:tgtEl>
+                                        <p:attrNameLst>
+                                          <p:attrName>style.visibility</p:attrName>
+                                        </p:attrNameLst>
+                                      </p:cBhvr>
+                                      <p:to>
+                                        <p:strVal val="visible"/>
+                                      </p:to>
+                                    </p:set>
+                                    <p:animEffect transition="in" filter="fade">
+                                      <p:cBhvr>
+                                        <p:cTn id="32" dur="500"/>
+                                        <p:tgtEl>
+                                          <p:spTgt spid="3">
+                                            <p:txEl>
+                                              <p:pRg st="5" end="5"/>
+                                            </p:txEl>
+                                          </p:spTgt>
+                                        </p:tgtEl>
+                                      </p:cBhvr>
+                                    </p:animEffect>
+                                  </p:childTnLst>
+                                </p:cTn>
+                              </p:par>
+                            </p:childTnLst>
+                          </p:cTn>
+                        </p:par>
+                      </p:childTnLst>
+                    </p:cTn>
+                  </p:par>
+                  <p:par>
+                    <p:cTn id="33" fill="hold">
+                      <p:stCondLst>
+                        <p:cond delay="indefinite"/>
+                      </p:stCondLst>
+                      <p:childTnLst>
+                        <p:par>
+                          <p:cTn id="34" fill="hold">
+                            <p:stCondLst>
+                              <p:cond delay="0"/>
+                            </p:stCondLst>
+                            <p:childTnLst>
+                              <p:par>
+                                <p:cTn id="35" presetID="10" presetClass="entr" presetSubtype="0" fill="hold" grpId="0" nodeType="clickEffect">
+                                  <p:stCondLst>
+                                    <p:cond delay="0"/>
+                                  </p:stCondLst>
+                                  <p:childTnLst>
+                                    <p:set>
+                                      <p:cBhvr>
+                                        <p:cTn id="36" dur="1" fill="hold">
+                                          <p:stCondLst>
+                                            <p:cond delay="0"/>
+                                          </p:stCondLst>
+                                        </p:cTn>
+                                        <p:tgtEl>
+                                          <p:spTgt spid="3">
+                                            <p:txEl>
+                                              <p:pRg st="6" end="6"/>
+                                            </p:txEl>
+                                          </p:spTgt>
+                                        </p:tgtEl>
+                                        <p:attrNameLst>
+                                          <p:attrName>style.visibility</p:attrName>
+                                        </p:attrNameLst>
+                                      </p:cBhvr>
+                                      <p:to>
+                                        <p:strVal val="visible"/>
+                                      </p:to>
+                                    </p:set>
+                                    <p:animEffect transition="in" filter="fade">
+                                      <p:cBhvr>
+                                        <p:cTn id="37" dur="500"/>
+                                        <p:tgtEl>
+                                          <p:spTgt spid="3">
+                                            <p:txEl>
+                                              <p:pRg st="6" end="6"/>
+                                            </p:txEl>
+                                          </p:spTgt>
+                                        </p:tgtEl>
+                                      </p:cBhvr>
+                                    </p:animEffect>
+                                  </p:childTnLst>
+                                </p:cTn>
+                              </p:par>
+                            </p:childTnLst>
+                          </p:cTn>
+                        </p:par>
+                      </p:childTnLst>
+                    </p:cTn>
+                  </p:par>
+                  <p:par>
+                    <p:cTn id="38" fill="hold">
+                      <p:stCondLst>
+                        <p:cond delay="indefinite"/>
+                      </p:stCondLst>
+                      <p:childTnLst>
+                        <p:par>
+                          <p:cTn id="39" fill="hold">
+                            <p:stCondLst>
+                              <p:cond delay="0"/>
+                            </p:stCondLst>
+                            <p:childTnLst>
+                              <p:par>
+                                <p:cTn id="40" presetID="10" presetClass="entr" presetSubtype="0" fill="hold" grpId="0" nodeType="clickEffect">
+                                  <p:stCondLst>
+                                    <p:cond delay="0"/>
+                                  </p:stCondLst>
+                                  <p:childTnLst>
+                                    <p:set>
+                                      <p:cBhvr>
+                                        <p:cTn id="41" dur="1" fill="hold">
+                                          <p:stCondLst>
+                                            <p:cond delay="0"/>
+                                          </p:stCondLst>
+                                        </p:cTn>
+                                        <p:tgtEl>
+                                          <p:spTgt spid="3">
+                                            <p:txEl>
+                                              <p:pRg st="7" end="7"/>
+                                            </p:txEl>
+                                          </p:spTgt>
+                                        </p:tgtEl>
+                                        <p:attrNameLst>
+                                          <p:attrName>style.visibility</p:attrName>
+                                        </p:attrNameLst>
+                                      </p:cBhvr>
+                                      <p:to>
+                                        <p:strVal val="visible"/>
+                                      </p:to>
+                                    </p:set>
+                                    <p:animEffect transition="in" filter="fade">
+                                      <p:cBhvr>
+                                        <p:cTn id="42" dur="500"/>
+                                        <p:tgtEl>
+                                          <p:spTgt spid="3">
+                                            <p:txEl>
+                                              <p:pRg st="7" end="7"/>
+                                            </p:txEl>
+                                          </p:spTgt>
+                                        </p:tgtEl>
+                                      </p:cBhvr>
+                                    </p:animEffect>
+                                  </p:childTnLst>
+                                </p:cTn>
+                              </p:par>
+                            </p:childTnLst>
+                          </p:cTn>
+                        </p:par>
+                      </p:childTnLst>
+                    </p:cTn>
+                  </p:par>
+                  <p:par>
+                    <p:cTn id="43" fill="hold">
+                      <p:stCondLst>
+                        <p:cond delay="indefinite"/>
+                      </p:stCondLst>
+                      <p:childTnLst>
+                        <p:par>
+                          <p:cTn id="44" fill="hold">
+                            <p:stCondLst>
+                              <p:cond delay="0"/>
+                            </p:stCondLst>
+                            <p:childTnLst>
+                              <p:par>
+                                <p:cTn id="45" presetID="10" presetClass="entr" presetSubtype="0" fill="hold" grpId="0" nodeType="clickEffect">
+                                  <p:stCondLst>
+                                    <p:cond delay="0"/>
+                                  </p:stCondLst>
+                                  <p:childTnLst>
+                                    <p:set>
+                                      <p:cBhvr>
+                                        <p:cTn id="46" dur="1" fill="hold">
+                                          <p:stCondLst>
+                                            <p:cond delay="0"/>
+                                          </p:stCondLst>
+                                        </p:cTn>
+                                        <p:tgtEl>
+                                          <p:spTgt spid="3">
+                                            <p:txEl>
+                                              <p:pRg st="8" end="8"/>
+                                            </p:txEl>
+                                          </p:spTgt>
+                                        </p:tgtEl>
+                                        <p:attrNameLst>
+                                          <p:attrName>style.visibility</p:attrName>
+                                        </p:attrNameLst>
+                                      </p:cBhvr>
+                                      <p:to>
+                                        <p:strVal val="visible"/>
+                                      </p:to>
+                                    </p:set>
+                                    <p:animEffect transition="in" filter="fade">
+                                      <p:cBhvr>
+                                        <p:cTn id="47" dur="500"/>
+                                        <p:tgtEl>
+                                          <p:spTgt spid="3">
+                                            <p:txEl>
+                                              <p:pRg st="8" end="8"/>
+                                            </p:txEl>
+                                          </p:spTgt>
+                                        </p:tgtEl>
+                                      </p:cBhvr>
+                                    </p:animEffect>
+                                  </p:childTnLst>
+                                </p:cTn>
+                              </p:par>
+                            </p:childTnLst>
+                          </p:cTn>
+                        </p:par>
+                      </p:childTnLst>
+                    </p:cTn>
+                  </p:par>
+                  <p:par>
+                    <p:cTn id="48" fill="hold">
+                      <p:stCondLst>
+                        <p:cond delay="indefinite"/>
+                      </p:stCondLst>
+                      <p:childTnLst>
+                        <p:par>
+                          <p:cTn id="49" fill="hold">
+                            <p:stCondLst>
+                              <p:cond delay="0"/>
+                            </p:stCondLst>
+                            <p:childTnLst>
+                              <p:par>
+                                <p:cTn id="50" presetID="10" presetClass="entr" presetSubtype="0" fill="hold" grpId="0" nodeType="clickEffect">
+                                  <p:stCondLst>
+                                    <p:cond delay="0"/>
+                                  </p:stCondLst>
+                                  <p:childTnLst>
+                                    <p:set>
+                                      <p:cBhvr>
+                                        <p:cTn id="51" dur="1" fill="hold">
+                                          <p:stCondLst>
+                                            <p:cond delay="0"/>
+                                          </p:stCondLst>
+                                        </p:cTn>
+                                        <p:tgtEl>
+                                          <p:spTgt spid="3">
+                                            <p:txEl>
+                                              <p:pRg st="9" end="9"/>
+                                            </p:txEl>
+                                          </p:spTgt>
+                                        </p:tgtEl>
+                                        <p:attrNameLst>
+                                          <p:attrName>style.visibility</p:attrName>
+                                        </p:attrNameLst>
+                                      </p:cBhvr>
+                                      <p:to>
+                                        <p:strVal val="visible"/>
+                                      </p:to>
+                                    </p:set>
+                                    <p:animEffect transition="in" filter="fade">
+                                      <p:cBhvr>
+                                        <p:cTn id="52" dur="500"/>
+                                        <p:tgtEl>
+                                          <p:spTgt spid="3">
+                                            <p:txEl>
+                                              <p:pRg st="9" end="9"/>
+                                            </p:txEl>
+                                          </p:spTgt>
+                                        </p:tgtEl>
+                                      </p:cBhvr>
+                                    </p:animEffect>
+                                  </p:childTnLst>
+                                </p:cTn>
+                              </p:par>
+                            </p:childTnLst>
+                          </p:cTn>
+                        </p:par>
+                      </p:childTnLst>
+                    </p:cTn>
+                  </p:par>
+                </p:childTnLst>
+              </p:cTn>
+              <p:prevCondLst>
+                <p:cond evt="onPrev" delay="0">
+                  <p:tgtEl>
+                    <p:sldTgt/>
+                  </p:tgtEl>
+                </p:cond>
+              </p:prevCondLst>
+              <p:nextCondLst>
+                <p:cond evt="onNext" delay="0">
+                  <p:tgtEl>
+                    <p:sldTgt/>
+                  </p:tgtEl>
+                </p:cond>
+              </p:nextCondLst>
+            </p:seq>
+          </p:childTnLst>
+        </p:cTn>
+      </p:par>
+    </p:tnLst>
+    <p:bldLst>
+      <p:bldP spid="3" grpId="0" build="p"/>
+    </p:bldLst>
+  </p:timing>
 </p:sld>
 </file>
 
@@ -12439,7 +14260,7 @@
           <p:cNvPr id="2" name="Title 1">
             <a:extLst>
               <a:ext uri="{FF2B5EF4-FFF2-40B4-BE49-F238E27FC236}">
-                <a16:creationId xmlns:a16="http://schemas.microsoft.com/office/drawing/2014/main" xmlns="" id="{28C4F58C-C201-4A8A-8C52-7424D52952CE}"/>
+                <a16:creationId xmlns="" xmlns:a16="http://schemas.microsoft.com/office/drawing/2014/main" id="{28C4F58C-C201-4A8A-8C52-7424D52952CE}"/>
               </a:ext>
             </a:extLst>
           </p:cNvPr>
@@ -12456,9 +14277,10 @@
           <a:lstStyle/>
           <a:p>
             <a:r>
-              <a:rPr lang="en-US" dirty="0"/>
-              <a:t>Return to factorial</a:t>
-            </a:r>
+              <a:rPr lang="en-US" dirty="0" smtClean="0"/>
+              <a:t>Arrangements of items in a set</a:t>
+            </a:r>
+            <a:endParaRPr lang="en-US" dirty="0"/>
           </a:p>
         </p:txBody>
       </p:sp>
@@ -12467,7 +14289,7 @@
           <p:cNvPr id="3" name="Content Placeholder 2">
             <a:extLst>
               <a:ext uri="{FF2B5EF4-FFF2-40B4-BE49-F238E27FC236}">
-                <a16:creationId xmlns:a16="http://schemas.microsoft.com/office/drawing/2014/main" xmlns="" id="{663C2A5B-C74B-42E0-B323-B4463A752C2F}"/>
+                <a16:creationId xmlns="" xmlns:a16="http://schemas.microsoft.com/office/drawing/2014/main" id="{663C2A5B-C74B-42E0-B323-B4463A752C2F}"/>
               </a:ext>
             </a:extLst>
           </p:cNvPr>
@@ -13027,7 +14849,7 @@
           <p:cNvPr id="2" name="Title 1">
             <a:extLst>
               <a:ext uri="{FF2B5EF4-FFF2-40B4-BE49-F238E27FC236}">
-                <a16:creationId xmlns:a16="http://schemas.microsoft.com/office/drawing/2014/main" xmlns="" id="{6FE5E38C-C07C-4492-8AC0-7F9BCBC0F897}"/>
+                <a16:creationId xmlns="" xmlns:a16="http://schemas.microsoft.com/office/drawing/2014/main" id="{6FE5E38C-C07C-4492-8AC0-7F9BCBC0F897}"/>
               </a:ext>
             </a:extLst>
           </p:cNvPr>
@@ -13044,9 +14866,10 @@
           <a:lstStyle/>
           <a:p>
             <a:r>
-              <a:rPr lang="en-US" dirty="0"/>
-              <a:t>Continued</a:t>
-            </a:r>
+              <a:rPr lang="en-US" dirty="0" smtClean="0"/>
+              <a:t>Arrangements with conditions</a:t>
+            </a:r>
+            <a:endParaRPr lang="en-US" dirty="0"/>
           </a:p>
         </p:txBody>
       </p:sp>
@@ -13055,7 +14878,7 @@
           <p:cNvPr id="3" name="Content Placeholder 2">
             <a:extLst>
               <a:ext uri="{FF2B5EF4-FFF2-40B4-BE49-F238E27FC236}">
-                <a16:creationId xmlns:a16="http://schemas.microsoft.com/office/drawing/2014/main" xmlns="" id="{07C9BA5A-BC61-4349-8883-AF823B821B25}"/>
+                <a16:creationId xmlns="" xmlns:a16="http://schemas.microsoft.com/office/drawing/2014/main" id="{07C9BA5A-BC61-4349-8883-AF823B821B25}"/>
               </a:ext>
             </a:extLst>
           </p:cNvPr>
@@ -13457,7 +15280,7 @@
           <p:cNvPr id="2" name="Title 1">
             <a:extLst>
               <a:ext uri="{FF2B5EF4-FFF2-40B4-BE49-F238E27FC236}">
-                <a16:creationId xmlns:a16="http://schemas.microsoft.com/office/drawing/2014/main" xmlns="" id="{4F874691-E7AF-462C-B7B0-90E34745FA6E}"/>
+                <a16:creationId xmlns="" xmlns:a16="http://schemas.microsoft.com/office/drawing/2014/main" id="{D9D58E37-9237-4FBC-B3D9-09986757A620}"/>
               </a:ext>
             </a:extLst>
           </p:cNvPr>
@@ -13474,9 +15297,10 @@
           <a:lstStyle/>
           <a:p>
             <a:r>
-              <a:rPr lang="en-US" dirty="0"/>
-              <a:t>Permutations</a:t>
-            </a:r>
+              <a:rPr lang="en-US" dirty="0" smtClean="0"/>
+              <a:t>Arrangements with duplicates</a:t>
+            </a:r>
+            <a:endParaRPr lang="en-US" dirty="0"/>
           </a:p>
         </p:txBody>
       </p:sp>
@@ -13485,7 +15309,7 @@
           <p:cNvPr id="3" name="Content Placeholder 2">
             <a:extLst>
               <a:ext uri="{FF2B5EF4-FFF2-40B4-BE49-F238E27FC236}">
-                <a16:creationId xmlns:a16="http://schemas.microsoft.com/office/drawing/2014/main" xmlns="" id="{44D145D1-6049-4FDC-AE64-843F97176154}"/>
+                <a16:creationId xmlns="" xmlns:a16="http://schemas.microsoft.com/office/drawing/2014/main" id="{7BD76094-C950-4EAE-85CD-12E016E5E4CC}"/>
               </a:ext>
             </a:extLst>
           </p:cNvPr>
@@ -13502,51 +15326,89 @@
           <a:lstStyle/>
           <a:p>
             <a:r>
-              <a:rPr lang="en-US" dirty="0"/>
-              <a:t>How many ways can we list 4 numbers out of a list of 7 numbers WITHOUT repetition?</a:t>
-            </a:r>
-          </a:p>
-          <a:p>
-            <a:r>
-              <a:rPr lang="en-US" dirty="0"/>
-              <a:t>Formula: The number of permutations of length k from a list of n elements is:</a:t>
-            </a:r>
-          </a:p>
-          <a:p>
-            <a:r>
               <a:rPr lang="en-US" dirty="0" smtClean="0"/>
-              <a:t>P(</a:t>
+              <a:t>What do we do with duplicates?</a:t>
+            </a:r>
+          </a:p>
+          <a:p>
+            <a:r>
+              <a:rPr lang="en-US" dirty="0" smtClean="0"/>
+              <a:t>1,2,1,3,4,3,3  where 1 is duplicated twice and three is duplicated thrice</a:t>
+            </a:r>
+          </a:p>
+          <a:p>
+            <a:r>
+              <a:rPr lang="en-US" dirty="0" smtClean="0"/>
+              <a:t>Formula: n! / (n</a:t>
+            </a:r>
+            <a:r>
+              <a:rPr lang="en-US" baseline="-25000" dirty="0" smtClean="0"/>
+              <a:t>1</a:t>
+            </a:r>
+            <a:r>
+              <a:rPr lang="en-US" dirty="0" smtClean="0"/>
+              <a:t>!*n</a:t>
+            </a:r>
+            <a:r>
+              <a:rPr lang="en-US" baseline="-25000" dirty="0"/>
+              <a:t>2</a:t>
+            </a:r>
+            <a:r>
+              <a:rPr lang="en-US" dirty="0" smtClean="0"/>
+              <a:t>!*…*</a:t>
             </a:r>
             <a:r>
               <a:rPr lang="en-US" dirty="0" err="1" smtClean="0"/>
-              <a:t>n,k</a:t>
+              <a:t>n</a:t>
+            </a:r>
+            <a:r>
+              <a:rPr lang="en-US" baseline="-25000" dirty="0" err="1"/>
+              <a:t>k</a:t>
             </a:r>
             <a:r>
               <a:rPr lang="en-US" dirty="0" smtClean="0"/>
-              <a:t>) = n</a:t>
-            </a:r>
-            <a:r>
-              <a:rPr lang="en-US" dirty="0"/>
-              <a:t>! / (n – k)!</a:t>
-            </a:r>
-          </a:p>
-          <a:p>
-            <a:r>
-              <a:rPr lang="en-US" dirty="0"/>
-              <a:t>Plug in the values above: n = 7 &amp; k = 4</a:t>
-            </a:r>
-          </a:p>
-          <a:p>
-            <a:r>
-              <a:rPr lang="en-US" dirty="0"/>
-              <a:t>7! / (7-4)! = 7!/3! = 7 * 6 * 5 * 4 * 3! / 3! = 7*6*5*4 = </a:t>
-            </a:r>
+              <a:t>!)</a:t>
+            </a:r>
+          </a:p>
+          <a:p>
             <a:r>
               <a:rPr lang="en-US" dirty="0" smtClean="0"/>
-              <a:t>840</a:t>
-            </a:r>
-          </a:p>
-          <a:p>
+              <a:t>Where n</a:t>
+            </a:r>
+            <a:r>
+              <a:rPr lang="en-US" baseline="-25000" dirty="0" smtClean="0"/>
+              <a:t>1</a:t>
+            </a:r>
+            <a:r>
+              <a:rPr lang="en-US" dirty="0" smtClean="0"/>
+              <a:t> is the number of duplicates of type 1, n</a:t>
+            </a:r>
+            <a:r>
+              <a:rPr lang="en-US" baseline="-25000" dirty="0"/>
+              <a:t>2</a:t>
+            </a:r>
+            <a:r>
+              <a:rPr lang="en-US" dirty="0" smtClean="0"/>
+              <a:t> is the number of duplicates of type 2, and </a:t>
+            </a:r>
+            <a:r>
+              <a:rPr lang="en-US" dirty="0" err="1" smtClean="0"/>
+              <a:t>n</a:t>
+            </a:r>
+            <a:r>
+              <a:rPr lang="en-US" baseline="-25000" dirty="0" err="1"/>
+              <a:t>k</a:t>
+            </a:r>
+            <a:r>
+              <a:rPr lang="en-US" dirty="0" smtClean="0"/>
+              <a:t> is the number of duplicates of type k.</a:t>
+            </a:r>
+          </a:p>
+          <a:p>
+            <a:r>
+              <a:rPr lang="en-US" dirty="0" smtClean="0"/>
+              <a:t>7! / (2! * 3!) = 420</a:t>
+            </a:r>
             <a:endParaRPr lang="en-US" dirty="0"/>
           </a:p>
         </p:txBody>
@@ -13554,7 +15416,7 @@
     </p:spTree>
     <p:extLst>
       <p:ext uri="{BB962C8B-B14F-4D97-AF65-F5344CB8AC3E}">
-        <p14:creationId xmlns:p14="http://schemas.microsoft.com/office/powerpoint/2010/main" val="2383157292"/>
+        <p14:creationId xmlns:p14="http://schemas.microsoft.com/office/powerpoint/2010/main" val="3590196037"/>
       </p:ext>
     </p:extLst>
   </p:cSld>
@@ -13924,7 +15786,7 @@
           <p:cNvPr id="2" name="Title 1">
             <a:extLst>
               <a:ext uri="{FF2B5EF4-FFF2-40B4-BE49-F238E27FC236}">
-                <a16:creationId xmlns:a16="http://schemas.microsoft.com/office/drawing/2014/main" xmlns="" id="{D9D58E37-9237-4FBC-B3D9-09986757A620}"/>
+                <a16:creationId xmlns="" xmlns:a16="http://schemas.microsoft.com/office/drawing/2014/main" id="{4F874691-E7AF-462C-B7B0-90E34745FA6E}"/>
               </a:ext>
             </a:extLst>
           </p:cNvPr>
@@ -13942,7 +15804,7 @@
           <a:p>
             <a:r>
               <a:rPr lang="en-US" dirty="0" smtClean="0"/>
-              <a:t>Permutations (with duplicates)</a:t>
+              <a:t>Permutations (Choose k of n)</a:t>
             </a:r>
             <a:endParaRPr lang="en-US" dirty="0"/>
           </a:p>
@@ -13953,7 +15815,7 @@
           <p:cNvPr id="3" name="Content Placeholder 2">
             <a:extLst>
               <a:ext uri="{FF2B5EF4-FFF2-40B4-BE49-F238E27FC236}">
-                <a16:creationId xmlns:a16="http://schemas.microsoft.com/office/drawing/2014/main" xmlns="" id="{7BD76094-C950-4EAE-85CD-12E016E5E4CC}"/>
+                <a16:creationId xmlns="" xmlns:a16="http://schemas.microsoft.com/office/drawing/2014/main" id="{44D145D1-6049-4FDC-AE64-843F97176154}"/>
               </a:ext>
             </a:extLst>
           </p:cNvPr>
@@ -13970,89 +15832,56 @@
           <a:lstStyle/>
           <a:p>
             <a:r>
+              <a:rPr lang="en-US" dirty="0"/>
+              <a:t>How many ways can we list 4 numbers out of a list of 7 numbers WITHOUT </a:t>
+            </a:r>
+            <a:r>
               <a:rPr lang="en-US" dirty="0" smtClean="0"/>
-              <a:t>What do we do with duplicates?</a:t>
+              <a:t>repetition &amp; where ORDER IS IMPORTANT</a:t>
+            </a:r>
+            <a:endParaRPr lang="en-US" dirty="0"/>
+          </a:p>
+          <a:p>
+            <a:r>
+              <a:rPr lang="en-US" dirty="0"/>
+              <a:t>Formula: The number of permutations of length k from a list of n elements is:</a:t>
             </a:r>
           </a:p>
           <a:p>
             <a:r>
               <a:rPr lang="en-US" dirty="0" smtClean="0"/>
-              <a:t>1,2,1,3,4,3,3  where 1 is duplicated twice and three is duplicated thrice</a:t>
-            </a:r>
-          </a:p>
-          <a:p>
+              <a:t>P(</a:t>
+            </a:r>
+            <a:r>
+              <a:rPr lang="en-US" dirty="0" err="1" smtClean="0"/>
+              <a:t>n,k</a:t>
+            </a:r>
             <a:r>
               <a:rPr lang="en-US" dirty="0" smtClean="0"/>
-              <a:t>Formula: n! / (n</a:t>
-            </a:r>
-            <a:r>
-              <a:rPr lang="en-US" baseline="-25000" dirty="0" smtClean="0"/>
-              <a:t>1</a:t>
+              <a:t>) = n</a:t>
+            </a:r>
+            <a:r>
+              <a:rPr lang="en-US" dirty="0"/>
+              <a:t>! / (n – k)!</a:t>
+            </a:r>
+          </a:p>
+          <a:p>
+            <a:r>
+              <a:rPr lang="en-US" dirty="0"/>
+              <a:t>Plug in the values above: n = 7 &amp; k = 4</a:t>
+            </a:r>
+          </a:p>
+          <a:p>
+            <a:r>
+              <a:rPr lang="en-US" dirty="0"/>
+              <a:t>7! / (7-4)! = 7!/3! = 7 * 6 * 5 * 4 * 3! / 3! = 7*6*5*4 = </a:t>
             </a:r>
             <a:r>
               <a:rPr lang="en-US" dirty="0" smtClean="0"/>
-              <a:t>!*n</a:t>
-            </a:r>
-            <a:r>
-              <a:rPr lang="en-US" baseline="-25000" dirty="0"/>
-              <a:t>2</a:t>
-            </a:r>
-            <a:r>
-              <a:rPr lang="en-US" dirty="0" smtClean="0"/>
-              <a:t>!*…*</a:t>
-            </a:r>
-            <a:r>
-              <a:rPr lang="en-US" dirty="0" err="1" smtClean="0"/>
-              <a:t>n</a:t>
-            </a:r>
-            <a:r>
-              <a:rPr lang="en-US" baseline="-25000" dirty="0" err="1"/>
-              <a:t>k</a:t>
-            </a:r>
-            <a:r>
-              <a:rPr lang="en-US" dirty="0" smtClean="0"/>
-              <a:t>!)</a:t>
-            </a:r>
-          </a:p>
-          <a:p>
-            <a:r>
-              <a:rPr lang="en-US" dirty="0" smtClean="0"/>
-              <a:t>Where n</a:t>
-            </a:r>
-            <a:r>
-              <a:rPr lang="en-US" baseline="-25000" dirty="0" smtClean="0"/>
-              <a:t>1</a:t>
-            </a:r>
-            <a:r>
-              <a:rPr lang="en-US" dirty="0" smtClean="0"/>
-              <a:t> is the number of duplicates of type 1, n</a:t>
-            </a:r>
-            <a:r>
-              <a:rPr lang="en-US" baseline="-25000" dirty="0"/>
-              <a:t>2</a:t>
-            </a:r>
-            <a:r>
-              <a:rPr lang="en-US" dirty="0" smtClean="0"/>
-              <a:t> is the number of duplicates of type 2, and </a:t>
-            </a:r>
-            <a:r>
-              <a:rPr lang="en-US" dirty="0" err="1" smtClean="0"/>
-              <a:t>n</a:t>
-            </a:r>
-            <a:r>
-              <a:rPr lang="en-US" baseline="-25000" dirty="0" err="1"/>
-              <a:t>k</a:t>
-            </a:r>
-            <a:r>
-              <a:rPr lang="en-US" dirty="0" smtClean="0"/>
-              <a:t> is the number of duplicates of type k.</a:t>
-            </a:r>
-          </a:p>
-          <a:p>
-            <a:r>
-              <a:rPr lang="en-US" dirty="0" smtClean="0"/>
-              <a:t>7! / (2! * 3!) = 420</a:t>
-            </a:r>
+              <a:t>840</a:t>
+            </a:r>
+          </a:p>
+          <a:p>
             <a:endParaRPr lang="en-US" dirty="0"/>
           </a:p>
         </p:txBody>
@@ -14060,7 +15889,1812 @@
     </p:spTree>
     <p:extLst>
       <p:ext uri="{BB962C8B-B14F-4D97-AF65-F5344CB8AC3E}">
-        <p14:creationId xmlns:p14="http://schemas.microsoft.com/office/powerpoint/2010/main" val="3590196037"/>
+        <p14:creationId xmlns:p14="http://schemas.microsoft.com/office/powerpoint/2010/main" val="2383157292"/>
+      </p:ext>
+    </p:extLst>
+  </p:cSld>
+  <p:clrMapOvr>
+    <a:masterClrMapping/>
+  </p:clrMapOvr>
+  <p:timing>
+    <p:tnLst>
+      <p:par>
+        <p:cTn id="1" dur="indefinite" restart="never" nodeType="tmRoot">
+          <p:childTnLst>
+            <p:seq concurrent="1" nextAc="seek">
+              <p:cTn id="2" dur="indefinite" nodeType="mainSeq">
+                <p:childTnLst>
+                  <p:par>
+                    <p:cTn id="3" fill="hold">
+                      <p:stCondLst>
+                        <p:cond delay="indefinite"/>
+                      </p:stCondLst>
+                      <p:childTnLst>
+                        <p:par>
+                          <p:cTn id="4" fill="hold">
+                            <p:stCondLst>
+                              <p:cond delay="0"/>
+                            </p:stCondLst>
+                            <p:childTnLst>
+                              <p:par>
+                                <p:cTn id="5" presetID="10" presetClass="entr" presetSubtype="0" fill="hold" grpId="0" nodeType="clickEffect">
+                                  <p:stCondLst>
+                                    <p:cond delay="0"/>
+                                  </p:stCondLst>
+                                  <p:childTnLst>
+                                    <p:set>
+                                      <p:cBhvr>
+                                        <p:cTn id="6" dur="1" fill="hold">
+                                          <p:stCondLst>
+                                            <p:cond delay="0"/>
+                                          </p:stCondLst>
+                                        </p:cTn>
+                                        <p:tgtEl>
+                                          <p:spTgt spid="3">
+                                            <p:txEl>
+                                              <p:pRg st="0" end="0"/>
+                                            </p:txEl>
+                                          </p:spTgt>
+                                        </p:tgtEl>
+                                        <p:attrNameLst>
+                                          <p:attrName>style.visibility</p:attrName>
+                                        </p:attrNameLst>
+                                      </p:cBhvr>
+                                      <p:to>
+                                        <p:strVal val="visible"/>
+                                      </p:to>
+                                    </p:set>
+                                    <p:animEffect transition="in" filter="fade">
+                                      <p:cBhvr>
+                                        <p:cTn id="7" dur="500"/>
+                                        <p:tgtEl>
+                                          <p:spTgt spid="3">
+                                            <p:txEl>
+                                              <p:pRg st="0" end="0"/>
+                                            </p:txEl>
+                                          </p:spTgt>
+                                        </p:tgtEl>
+                                      </p:cBhvr>
+                                    </p:animEffect>
+                                  </p:childTnLst>
+                                </p:cTn>
+                              </p:par>
+                            </p:childTnLst>
+                          </p:cTn>
+                        </p:par>
+                      </p:childTnLst>
+                    </p:cTn>
+                  </p:par>
+                  <p:par>
+                    <p:cTn id="8" fill="hold">
+                      <p:stCondLst>
+                        <p:cond delay="indefinite"/>
+                      </p:stCondLst>
+                      <p:childTnLst>
+                        <p:par>
+                          <p:cTn id="9" fill="hold">
+                            <p:stCondLst>
+                              <p:cond delay="0"/>
+                            </p:stCondLst>
+                            <p:childTnLst>
+                              <p:par>
+                                <p:cTn id="10" presetID="10" presetClass="entr" presetSubtype="0" fill="hold" grpId="0" nodeType="clickEffect">
+                                  <p:stCondLst>
+                                    <p:cond delay="0"/>
+                                  </p:stCondLst>
+                                  <p:childTnLst>
+                                    <p:set>
+                                      <p:cBhvr>
+                                        <p:cTn id="11" dur="1" fill="hold">
+                                          <p:stCondLst>
+                                            <p:cond delay="0"/>
+                                          </p:stCondLst>
+                                        </p:cTn>
+                                        <p:tgtEl>
+                                          <p:spTgt spid="3">
+                                            <p:txEl>
+                                              <p:pRg st="1" end="1"/>
+                                            </p:txEl>
+                                          </p:spTgt>
+                                        </p:tgtEl>
+                                        <p:attrNameLst>
+                                          <p:attrName>style.visibility</p:attrName>
+                                        </p:attrNameLst>
+                                      </p:cBhvr>
+                                      <p:to>
+                                        <p:strVal val="visible"/>
+                                      </p:to>
+                                    </p:set>
+                                    <p:animEffect transition="in" filter="fade">
+                                      <p:cBhvr>
+                                        <p:cTn id="12" dur="500"/>
+                                        <p:tgtEl>
+                                          <p:spTgt spid="3">
+                                            <p:txEl>
+                                              <p:pRg st="1" end="1"/>
+                                            </p:txEl>
+                                          </p:spTgt>
+                                        </p:tgtEl>
+                                      </p:cBhvr>
+                                    </p:animEffect>
+                                  </p:childTnLst>
+                                </p:cTn>
+                              </p:par>
+                            </p:childTnLst>
+                          </p:cTn>
+                        </p:par>
+                      </p:childTnLst>
+                    </p:cTn>
+                  </p:par>
+                  <p:par>
+                    <p:cTn id="13" fill="hold">
+                      <p:stCondLst>
+                        <p:cond delay="indefinite"/>
+                      </p:stCondLst>
+                      <p:childTnLst>
+                        <p:par>
+                          <p:cTn id="14" fill="hold">
+                            <p:stCondLst>
+                              <p:cond delay="0"/>
+                            </p:stCondLst>
+                            <p:childTnLst>
+                              <p:par>
+                                <p:cTn id="15" presetID="10" presetClass="entr" presetSubtype="0" fill="hold" grpId="0" nodeType="clickEffect">
+                                  <p:stCondLst>
+                                    <p:cond delay="0"/>
+                                  </p:stCondLst>
+                                  <p:childTnLst>
+                                    <p:set>
+                                      <p:cBhvr>
+                                        <p:cTn id="16" dur="1" fill="hold">
+                                          <p:stCondLst>
+                                            <p:cond delay="0"/>
+                                          </p:stCondLst>
+                                        </p:cTn>
+                                        <p:tgtEl>
+                                          <p:spTgt spid="3">
+                                            <p:txEl>
+                                              <p:pRg st="2" end="2"/>
+                                            </p:txEl>
+                                          </p:spTgt>
+                                        </p:tgtEl>
+                                        <p:attrNameLst>
+                                          <p:attrName>style.visibility</p:attrName>
+                                        </p:attrNameLst>
+                                      </p:cBhvr>
+                                      <p:to>
+                                        <p:strVal val="visible"/>
+                                      </p:to>
+                                    </p:set>
+                                    <p:animEffect transition="in" filter="fade">
+                                      <p:cBhvr>
+                                        <p:cTn id="17" dur="500"/>
+                                        <p:tgtEl>
+                                          <p:spTgt spid="3">
+                                            <p:txEl>
+                                              <p:pRg st="2" end="2"/>
+                                            </p:txEl>
+                                          </p:spTgt>
+                                        </p:tgtEl>
+                                      </p:cBhvr>
+                                    </p:animEffect>
+                                  </p:childTnLst>
+                                </p:cTn>
+                              </p:par>
+                            </p:childTnLst>
+                          </p:cTn>
+                        </p:par>
+                      </p:childTnLst>
+                    </p:cTn>
+                  </p:par>
+                  <p:par>
+                    <p:cTn id="18" fill="hold">
+                      <p:stCondLst>
+                        <p:cond delay="indefinite"/>
+                      </p:stCondLst>
+                      <p:childTnLst>
+                        <p:par>
+                          <p:cTn id="19" fill="hold">
+                            <p:stCondLst>
+                              <p:cond delay="0"/>
+                            </p:stCondLst>
+                            <p:childTnLst>
+                              <p:par>
+                                <p:cTn id="20" presetID="10" presetClass="entr" presetSubtype="0" fill="hold" grpId="0" nodeType="clickEffect">
+                                  <p:stCondLst>
+                                    <p:cond delay="0"/>
+                                  </p:stCondLst>
+                                  <p:childTnLst>
+                                    <p:set>
+                                      <p:cBhvr>
+                                        <p:cTn id="21" dur="1" fill="hold">
+                                          <p:stCondLst>
+                                            <p:cond delay="0"/>
+                                          </p:stCondLst>
+                                        </p:cTn>
+                                        <p:tgtEl>
+                                          <p:spTgt spid="3">
+                                            <p:txEl>
+                                              <p:pRg st="3" end="3"/>
+                                            </p:txEl>
+                                          </p:spTgt>
+                                        </p:tgtEl>
+                                        <p:attrNameLst>
+                                          <p:attrName>style.visibility</p:attrName>
+                                        </p:attrNameLst>
+                                      </p:cBhvr>
+                                      <p:to>
+                                        <p:strVal val="visible"/>
+                                      </p:to>
+                                    </p:set>
+                                    <p:animEffect transition="in" filter="fade">
+                                      <p:cBhvr>
+                                        <p:cTn id="22" dur="500"/>
+                                        <p:tgtEl>
+                                          <p:spTgt spid="3">
+                                            <p:txEl>
+                                              <p:pRg st="3" end="3"/>
+                                            </p:txEl>
+                                          </p:spTgt>
+                                        </p:tgtEl>
+                                      </p:cBhvr>
+                                    </p:animEffect>
+                                  </p:childTnLst>
+                                </p:cTn>
+                              </p:par>
+                            </p:childTnLst>
+                          </p:cTn>
+                        </p:par>
+                      </p:childTnLst>
+                    </p:cTn>
+                  </p:par>
+                  <p:par>
+                    <p:cTn id="23" fill="hold">
+                      <p:stCondLst>
+                        <p:cond delay="indefinite"/>
+                      </p:stCondLst>
+                      <p:childTnLst>
+                        <p:par>
+                          <p:cTn id="24" fill="hold">
+                            <p:stCondLst>
+                              <p:cond delay="0"/>
+                            </p:stCondLst>
+                            <p:childTnLst>
+                              <p:par>
+                                <p:cTn id="25" presetID="10" presetClass="entr" presetSubtype="0" fill="hold" grpId="0" nodeType="clickEffect">
+                                  <p:stCondLst>
+                                    <p:cond delay="0"/>
+                                  </p:stCondLst>
+                                  <p:childTnLst>
+                                    <p:set>
+                                      <p:cBhvr>
+                                        <p:cTn id="26" dur="1" fill="hold">
+                                          <p:stCondLst>
+                                            <p:cond delay="0"/>
+                                          </p:stCondLst>
+                                        </p:cTn>
+                                        <p:tgtEl>
+                                          <p:spTgt spid="3">
+                                            <p:txEl>
+                                              <p:pRg st="4" end="4"/>
+                                            </p:txEl>
+                                          </p:spTgt>
+                                        </p:tgtEl>
+                                        <p:attrNameLst>
+                                          <p:attrName>style.visibility</p:attrName>
+                                        </p:attrNameLst>
+                                      </p:cBhvr>
+                                      <p:to>
+                                        <p:strVal val="visible"/>
+                                      </p:to>
+                                    </p:set>
+                                    <p:animEffect transition="in" filter="fade">
+                                      <p:cBhvr>
+                                        <p:cTn id="27" dur="500"/>
+                                        <p:tgtEl>
+                                          <p:spTgt spid="3">
+                                            <p:txEl>
+                                              <p:pRg st="4" end="4"/>
+                                            </p:txEl>
+                                          </p:spTgt>
+                                        </p:tgtEl>
+                                      </p:cBhvr>
+                                    </p:animEffect>
+                                  </p:childTnLst>
+                                </p:cTn>
+                              </p:par>
+                            </p:childTnLst>
+                          </p:cTn>
+                        </p:par>
+                      </p:childTnLst>
+                    </p:cTn>
+                  </p:par>
+                </p:childTnLst>
+              </p:cTn>
+              <p:prevCondLst>
+                <p:cond evt="onPrev" delay="0">
+                  <p:tgtEl>
+                    <p:sldTgt/>
+                  </p:tgtEl>
+                </p:cond>
+              </p:prevCondLst>
+              <p:nextCondLst>
+                <p:cond evt="onNext" delay="0">
+                  <p:tgtEl>
+                    <p:sldTgt/>
+                  </p:tgtEl>
+                </p:cond>
+              </p:nextCondLst>
+            </p:seq>
+          </p:childTnLst>
+        </p:cTn>
+      </p:par>
+    </p:tnLst>
+    <p:bldLst>
+      <p:bldP spid="3" grpId="0" build="p"/>
+    </p:bldLst>
+  </p:timing>
+</p:sld>
+</file>
+
+<file path=ppt/slides/slide6.xml><?xml version="1.0" encoding="utf-8"?>
+<p:sld xmlns:a="http://schemas.openxmlformats.org/drawingml/2006/main" xmlns:r="http://schemas.openxmlformats.org/officeDocument/2006/relationships" xmlns:p="http://schemas.openxmlformats.org/presentationml/2006/main">
+  <p:cSld>
+    <p:spTree>
+      <p:nvGrpSpPr>
+        <p:cNvPr id="1" name=""/>
+        <p:cNvGrpSpPr/>
+        <p:nvPr/>
+      </p:nvGrpSpPr>
+      <p:grpSpPr>
+        <a:xfrm>
+          <a:off x="0" y="0"/>
+          <a:ext cx="0" cy="0"/>
+          <a:chOff x="0" y="0"/>
+          <a:chExt cx="0" cy="0"/>
+        </a:xfrm>
+      </p:grpSpPr>
+      <p:sp>
+        <p:nvSpPr>
+          <p:cNvPr id="2" name="Title 1"/>
+          <p:cNvSpPr>
+            <a:spLocks noGrp="1"/>
+          </p:cNvSpPr>
+          <p:nvPr>
+            <p:ph type="title"/>
+          </p:nvPr>
+        </p:nvSpPr>
+        <p:spPr/>
+        <p:txBody>
+          <a:bodyPr/>
+          <a:lstStyle/>
+          <a:p>
+            <a:r>
+              <a:rPr lang="en-US" dirty="0" smtClean="0"/>
+              <a:t>Relationship between permutations and arrangements</a:t>
+            </a:r>
+            <a:endParaRPr lang="en-US" dirty="0"/>
+          </a:p>
+        </p:txBody>
+      </p:sp>
+      <p:sp>
+        <p:nvSpPr>
+          <p:cNvPr id="3" name="Content Placeholder 2"/>
+          <p:cNvSpPr>
+            <a:spLocks noGrp="1"/>
+          </p:cNvSpPr>
+          <p:nvPr>
+            <p:ph idx="1"/>
+          </p:nvPr>
+        </p:nvSpPr>
+        <p:spPr/>
+        <p:txBody>
+          <a:bodyPr/>
+          <a:lstStyle/>
+          <a:p>
+            <a:r>
+              <a:rPr lang="en-US" dirty="0" smtClean="0"/>
+              <a:t>Consider a permutation question where k = n</a:t>
+            </a:r>
+          </a:p>
+          <a:p>
+            <a:r>
+              <a:rPr lang="en-US" dirty="0" smtClean="0"/>
+              <a:t>n! / (n-k)! = n! / 0! = n! = arrangements</a:t>
+            </a:r>
+          </a:p>
+        </p:txBody>
+      </p:sp>
+    </p:spTree>
+    <p:extLst>
+      <p:ext uri="{BB962C8B-B14F-4D97-AF65-F5344CB8AC3E}">
+        <p14:creationId xmlns:p14="http://schemas.microsoft.com/office/powerpoint/2010/main" val="652195840"/>
+      </p:ext>
+    </p:extLst>
+  </p:cSld>
+  <p:clrMapOvr>
+    <a:masterClrMapping/>
+  </p:clrMapOvr>
+  <p:timing>
+    <p:tnLst>
+      <p:par>
+        <p:cTn id="1" dur="indefinite" restart="never" nodeType="tmRoot">
+          <p:childTnLst>
+            <p:seq concurrent="1" nextAc="seek">
+              <p:cTn id="2" dur="indefinite" nodeType="mainSeq">
+                <p:childTnLst>
+                  <p:par>
+                    <p:cTn id="3" fill="hold">
+                      <p:stCondLst>
+                        <p:cond delay="indefinite"/>
+                      </p:stCondLst>
+                      <p:childTnLst>
+                        <p:par>
+                          <p:cTn id="4" fill="hold">
+                            <p:stCondLst>
+                              <p:cond delay="0"/>
+                            </p:stCondLst>
+                            <p:childTnLst>
+                              <p:par>
+                                <p:cTn id="5" presetID="10" presetClass="entr" presetSubtype="0" fill="hold" grpId="0" nodeType="clickEffect">
+                                  <p:stCondLst>
+                                    <p:cond delay="0"/>
+                                  </p:stCondLst>
+                                  <p:childTnLst>
+                                    <p:set>
+                                      <p:cBhvr>
+                                        <p:cTn id="6" dur="1" fill="hold">
+                                          <p:stCondLst>
+                                            <p:cond delay="0"/>
+                                          </p:stCondLst>
+                                        </p:cTn>
+                                        <p:tgtEl>
+                                          <p:spTgt spid="3">
+                                            <p:txEl>
+                                              <p:pRg st="0" end="0"/>
+                                            </p:txEl>
+                                          </p:spTgt>
+                                        </p:tgtEl>
+                                        <p:attrNameLst>
+                                          <p:attrName>style.visibility</p:attrName>
+                                        </p:attrNameLst>
+                                      </p:cBhvr>
+                                      <p:to>
+                                        <p:strVal val="visible"/>
+                                      </p:to>
+                                    </p:set>
+                                    <p:animEffect transition="in" filter="fade">
+                                      <p:cBhvr>
+                                        <p:cTn id="7" dur="500"/>
+                                        <p:tgtEl>
+                                          <p:spTgt spid="3">
+                                            <p:txEl>
+                                              <p:pRg st="0" end="0"/>
+                                            </p:txEl>
+                                          </p:spTgt>
+                                        </p:tgtEl>
+                                      </p:cBhvr>
+                                    </p:animEffect>
+                                  </p:childTnLst>
+                                </p:cTn>
+                              </p:par>
+                            </p:childTnLst>
+                          </p:cTn>
+                        </p:par>
+                      </p:childTnLst>
+                    </p:cTn>
+                  </p:par>
+                  <p:par>
+                    <p:cTn id="8" fill="hold">
+                      <p:stCondLst>
+                        <p:cond delay="indefinite"/>
+                      </p:stCondLst>
+                      <p:childTnLst>
+                        <p:par>
+                          <p:cTn id="9" fill="hold">
+                            <p:stCondLst>
+                              <p:cond delay="0"/>
+                            </p:stCondLst>
+                            <p:childTnLst>
+                              <p:par>
+                                <p:cTn id="10" presetID="10" presetClass="entr" presetSubtype="0" fill="hold" grpId="0" nodeType="clickEffect">
+                                  <p:stCondLst>
+                                    <p:cond delay="0"/>
+                                  </p:stCondLst>
+                                  <p:childTnLst>
+                                    <p:set>
+                                      <p:cBhvr>
+                                        <p:cTn id="11" dur="1" fill="hold">
+                                          <p:stCondLst>
+                                            <p:cond delay="0"/>
+                                          </p:stCondLst>
+                                        </p:cTn>
+                                        <p:tgtEl>
+                                          <p:spTgt spid="3">
+                                            <p:txEl>
+                                              <p:pRg st="1" end="1"/>
+                                            </p:txEl>
+                                          </p:spTgt>
+                                        </p:tgtEl>
+                                        <p:attrNameLst>
+                                          <p:attrName>style.visibility</p:attrName>
+                                        </p:attrNameLst>
+                                      </p:cBhvr>
+                                      <p:to>
+                                        <p:strVal val="visible"/>
+                                      </p:to>
+                                    </p:set>
+                                    <p:animEffect transition="in" filter="fade">
+                                      <p:cBhvr>
+                                        <p:cTn id="12" dur="500"/>
+                                        <p:tgtEl>
+                                          <p:spTgt spid="3">
+                                            <p:txEl>
+                                              <p:pRg st="1" end="1"/>
+                                            </p:txEl>
+                                          </p:spTgt>
+                                        </p:tgtEl>
+                                      </p:cBhvr>
+                                    </p:animEffect>
+                                  </p:childTnLst>
+                                </p:cTn>
+                              </p:par>
+                            </p:childTnLst>
+                          </p:cTn>
+                        </p:par>
+                      </p:childTnLst>
+                    </p:cTn>
+                  </p:par>
+                </p:childTnLst>
+              </p:cTn>
+              <p:prevCondLst>
+                <p:cond evt="onPrev" delay="0">
+                  <p:tgtEl>
+                    <p:sldTgt/>
+                  </p:tgtEl>
+                </p:cond>
+              </p:prevCondLst>
+              <p:nextCondLst>
+                <p:cond evt="onNext" delay="0">
+                  <p:tgtEl>
+                    <p:sldTgt/>
+                  </p:tgtEl>
+                </p:cond>
+              </p:nextCondLst>
+            </p:seq>
+          </p:childTnLst>
+        </p:cTn>
+      </p:par>
+    </p:tnLst>
+    <p:bldLst>
+      <p:bldP spid="3" grpId="0" build="p"/>
+    </p:bldLst>
+  </p:timing>
+</p:sld>
+</file>
+
+<file path=ppt/slides/slide7.xml><?xml version="1.0" encoding="utf-8"?>
+<p:sld xmlns:a="http://schemas.openxmlformats.org/drawingml/2006/main" xmlns:r="http://schemas.openxmlformats.org/officeDocument/2006/relationships" xmlns:p="http://schemas.openxmlformats.org/presentationml/2006/main">
+  <p:cSld>
+    <p:spTree>
+      <p:nvGrpSpPr>
+        <p:cNvPr id="1" name=""/>
+        <p:cNvGrpSpPr/>
+        <p:nvPr/>
+      </p:nvGrpSpPr>
+      <p:grpSpPr>
+        <a:xfrm>
+          <a:off x="0" y="0"/>
+          <a:ext cx="0" cy="0"/>
+          <a:chOff x="0" y="0"/>
+          <a:chExt cx="0" cy="0"/>
+        </a:xfrm>
+      </p:grpSpPr>
+      <p:sp>
+        <p:nvSpPr>
+          <p:cNvPr id="2" name="Title 1"/>
+          <p:cNvSpPr>
+            <a:spLocks noGrp="1"/>
+          </p:cNvSpPr>
+          <p:nvPr>
+            <p:ph type="title"/>
+          </p:nvPr>
+        </p:nvSpPr>
+        <p:spPr/>
+        <p:txBody>
+          <a:bodyPr/>
+          <a:lstStyle/>
+          <a:p>
+            <a:r>
+              <a:rPr lang="en-US" dirty="0" smtClean="0"/>
+              <a:t>combinations</a:t>
+            </a:r>
+            <a:endParaRPr lang="en-US" dirty="0"/>
+          </a:p>
+        </p:txBody>
+      </p:sp>
+      <p:sp>
+        <p:nvSpPr>
+          <p:cNvPr id="3" name="Content Placeholder 2"/>
+          <p:cNvSpPr>
+            <a:spLocks noGrp="1"/>
+          </p:cNvSpPr>
+          <p:nvPr>
+            <p:ph idx="1"/>
+          </p:nvPr>
+        </p:nvSpPr>
+        <p:spPr/>
+        <p:txBody>
+          <a:bodyPr>
+            <a:normAutofit fontScale="92500" lnSpcReduction="20000"/>
+          </a:bodyPr>
+          <a:lstStyle/>
+          <a:p>
+            <a:r>
+              <a:rPr lang="en-US" dirty="0"/>
+              <a:t>How many ways can we list 4 numbers out of a list of 7 numbers WITHOUT repetition &amp; where ORDER </a:t>
+            </a:r>
+            <a:r>
+              <a:rPr lang="en-US" dirty="0" smtClean="0"/>
+              <a:t>IS </a:t>
+            </a:r>
+            <a:r>
+              <a:rPr lang="en-US" u="sng" dirty="0" smtClean="0"/>
+              <a:t>NOT</a:t>
+            </a:r>
+            <a:r>
+              <a:rPr lang="en-US" dirty="0" smtClean="0"/>
+              <a:t> IMPORTANT?</a:t>
+            </a:r>
+            <a:endParaRPr lang="en-US" dirty="0"/>
+          </a:p>
+          <a:p>
+            <a:r>
+              <a:rPr lang="en-US" dirty="0" smtClean="0"/>
+              <a:t>How does this differ from permutations?</a:t>
+            </a:r>
+          </a:p>
+          <a:p>
+            <a:r>
+              <a:rPr lang="en-US" dirty="0" smtClean="0"/>
+              <a:t>Consider the set {</a:t>
+            </a:r>
+            <a:r>
+              <a:rPr lang="en-US" dirty="0" err="1" smtClean="0"/>
+              <a:t>a,b,c</a:t>
+            </a:r>
+            <a:r>
+              <a:rPr lang="en-US" dirty="0" smtClean="0"/>
+              <a:t>}</a:t>
+            </a:r>
+          </a:p>
+          <a:p>
+            <a:pPr lvl="1"/>
+            <a:r>
+              <a:rPr lang="en-US" dirty="0" smtClean="0"/>
+              <a:t>Consider the subset {</a:t>
+            </a:r>
+            <a:r>
+              <a:rPr lang="en-US" dirty="0" err="1" smtClean="0"/>
+              <a:t>a,b</a:t>
+            </a:r>
+            <a:r>
+              <a:rPr lang="en-US" dirty="0" smtClean="0"/>
+              <a:t>}</a:t>
+            </a:r>
+          </a:p>
+          <a:p>
+            <a:pPr lvl="1"/>
+            <a:r>
+              <a:rPr lang="en-US" dirty="0" smtClean="0"/>
+              <a:t>Is it the same as {</a:t>
+            </a:r>
+            <a:r>
+              <a:rPr lang="en-US" dirty="0" err="1" smtClean="0"/>
+              <a:t>b,a</a:t>
+            </a:r>
+            <a:r>
+              <a:rPr lang="en-US" dirty="0" smtClean="0"/>
+              <a:t>}?</a:t>
+            </a:r>
+          </a:p>
+          <a:p>
+            <a:pPr lvl="1"/>
+            <a:r>
+              <a:rPr lang="en-US" dirty="0" smtClean="0"/>
+              <a:t>It depends on the criteria of the question.  If order matters, then they are NOT the same.  If it does matter then they are the same</a:t>
+            </a:r>
+          </a:p>
+          <a:p>
+            <a:r>
+              <a:rPr lang="en-US" dirty="0" smtClean="0"/>
+              <a:t>Combination Formula: n! / [k!(n-k)!]</a:t>
+            </a:r>
+            <a:endParaRPr lang="en-US" dirty="0"/>
+          </a:p>
+        </p:txBody>
+      </p:sp>
+    </p:spTree>
+    <p:extLst>
+      <p:ext uri="{BB962C8B-B14F-4D97-AF65-F5344CB8AC3E}">
+        <p14:creationId xmlns:p14="http://schemas.microsoft.com/office/powerpoint/2010/main" val="972342862"/>
+      </p:ext>
+    </p:extLst>
+  </p:cSld>
+  <p:clrMapOvr>
+    <a:masterClrMapping/>
+  </p:clrMapOvr>
+  <p:timing>
+    <p:tnLst>
+      <p:par>
+        <p:cTn id="1" dur="indefinite" restart="never" nodeType="tmRoot">
+          <p:childTnLst>
+            <p:seq concurrent="1" nextAc="seek">
+              <p:cTn id="2" dur="indefinite" nodeType="mainSeq">
+                <p:childTnLst>
+                  <p:par>
+                    <p:cTn id="3" fill="hold">
+                      <p:stCondLst>
+                        <p:cond delay="indefinite"/>
+                      </p:stCondLst>
+                      <p:childTnLst>
+                        <p:par>
+                          <p:cTn id="4" fill="hold">
+                            <p:stCondLst>
+                              <p:cond delay="0"/>
+                            </p:stCondLst>
+                            <p:childTnLst>
+                              <p:par>
+                                <p:cTn id="5" presetID="10" presetClass="entr" presetSubtype="0" fill="hold" grpId="0" nodeType="clickEffect">
+                                  <p:stCondLst>
+                                    <p:cond delay="0"/>
+                                  </p:stCondLst>
+                                  <p:childTnLst>
+                                    <p:set>
+                                      <p:cBhvr>
+                                        <p:cTn id="6" dur="1" fill="hold">
+                                          <p:stCondLst>
+                                            <p:cond delay="0"/>
+                                          </p:stCondLst>
+                                        </p:cTn>
+                                        <p:tgtEl>
+                                          <p:spTgt spid="3">
+                                            <p:txEl>
+                                              <p:pRg st="0" end="0"/>
+                                            </p:txEl>
+                                          </p:spTgt>
+                                        </p:tgtEl>
+                                        <p:attrNameLst>
+                                          <p:attrName>style.visibility</p:attrName>
+                                        </p:attrNameLst>
+                                      </p:cBhvr>
+                                      <p:to>
+                                        <p:strVal val="visible"/>
+                                      </p:to>
+                                    </p:set>
+                                    <p:animEffect transition="in" filter="fade">
+                                      <p:cBhvr>
+                                        <p:cTn id="7" dur="500"/>
+                                        <p:tgtEl>
+                                          <p:spTgt spid="3">
+                                            <p:txEl>
+                                              <p:pRg st="0" end="0"/>
+                                            </p:txEl>
+                                          </p:spTgt>
+                                        </p:tgtEl>
+                                      </p:cBhvr>
+                                    </p:animEffect>
+                                  </p:childTnLst>
+                                </p:cTn>
+                              </p:par>
+                            </p:childTnLst>
+                          </p:cTn>
+                        </p:par>
+                      </p:childTnLst>
+                    </p:cTn>
+                  </p:par>
+                  <p:par>
+                    <p:cTn id="8" fill="hold">
+                      <p:stCondLst>
+                        <p:cond delay="indefinite"/>
+                      </p:stCondLst>
+                      <p:childTnLst>
+                        <p:par>
+                          <p:cTn id="9" fill="hold">
+                            <p:stCondLst>
+                              <p:cond delay="0"/>
+                            </p:stCondLst>
+                            <p:childTnLst>
+                              <p:par>
+                                <p:cTn id="10" presetID="10" presetClass="entr" presetSubtype="0" fill="hold" grpId="0" nodeType="clickEffect">
+                                  <p:stCondLst>
+                                    <p:cond delay="0"/>
+                                  </p:stCondLst>
+                                  <p:childTnLst>
+                                    <p:set>
+                                      <p:cBhvr>
+                                        <p:cTn id="11" dur="1" fill="hold">
+                                          <p:stCondLst>
+                                            <p:cond delay="0"/>
+                                          </p:stCondLst>
+                                        </p:cTn>
+                                        <p:tgtEl>
+                                          <p:spTgt spid="3">
+                                            <p:txEl>
+                                              <p:pRg st="1" end="1"/>
+                                            </p:txEl>
+                                          </p:spTgt>
+                                        </p:tgtEl>
+                                        <p:attrNameLst>
+                                          <p:attrName>style.visibility</p:attrName>
+                                        </p:attrNameLst>
+                                      </p:cBhvr>
+                                      <p:to>
+                                        <p:strVal val="visible"/>
+                                      </p:to>
+                                    </p:set>
+                                    <p:animEffect transition="in" filter="fade">
+                                      <p:cBhvr>
+                                        <p:cTn id="12" dur="500"/>
+                                        <p:tgtEl>
+                                          <p:spTgt spid="3">
+                                            <p:txEl>
+                                              <p:pRg st="1" end="1"/>
+                                            </p:txEl>
+                                          </p:spTgt>
+                                        </p:tgtEl>
+                                      </p:cBhvr>
+                                    </p:animEffect>
+                                  </p:childTnLst>
+                                </p:cTn>
+                              </p:par>
+                            </p:childTnLst>
+                          </p:cTn>
+                        </p:par>
+                      </p:childTnLst>
+                    </p:cTn>
+                  </p:par>
+                  <p:par>
+                    <p:cTn id="13" fill="hold">
+                      <p:stCondLst>
+                        <p:cond delay="indefinite"/>
+                      </p:stCondLst>
+                      <p:childTnLst>
+                        <p:par>
+                          <p:cTn id="14" fill="hold">
+                            <p:stCondLst>
+                              <p:cond delay="0"/>
+                            </p:stCondLst>
+                            <p:childTnLst>
+                              <p:par>
+                                <p:cTn id="15" presetID="10" presetClass="entr" presetSubtype="0" fill="hold" grpId="0" nodeType="clickEffect">
+                                  <p:stCondLst>
+                                    <p:cond delay="0"/>
+                                  </p:stCondLst>
+                                  <p:childTnLst>
+                                    <p:set>
+                                      <p:cBhvr>
+                                        <p:cTn id="16" dur="1" fill="hold">
+                                          <p:stCondLst>
+                                            <p:cond delay="0"/>
+                                          </p:stCondLst>
+                                        </p:cTn>
+                                        <p:tgtEl>
+                                          <p:spTgt spid="3">
+                                            <p:txEl>
+                                              <p:pRg st="2" end="2"/>
+                                            </p:txEl>
+                                          </p:spTgt>
+                                        </p:tgtEl>
+                                        <p:attrNameLst>
+                                          <p:attrName>style.visibility</p:attrName>
+                                        </p:attrNameLst>
+                                      </p:cBhvr>
+                                      <p:to>
+                                        <p:strVal val="visible"/>
+                                      </p:to>
+                                    </p:set>
+                                    <p:animEffect transition="in" filter="fade">
+                                      <p:cBhvr>
+                                        <p:cTn id="17" dur="500"/>
+                                        <p:tgtEl>
+                                          <p:spTgt spid="3">
+                                            <p:txEl>
+                                              <p:pRg st="2" end="2"/>
+                                            </p:txEl>
+                                          </p:spTgt>
+                                        </p:tgtEl>
+                                      </p:cBhvr>
+                                    </p:animEffect>
+                                  </p:childTnLst>
+                                </p:cTn>
+                              </p:par>
+                            </p:childTnLst>
+                          </p:cTn>
+                        </p:par>
+                      </p:childTnLst>
+                    </p:cTn>
+                  </p:par>
+                  <p:par>
+                    <p:cTn id="18" fill="hold">
+                      <p:stCondLst>
+                        <p:cond delay="indefinite"/>
+                      </p:stCondLst>
+                      <p:childTnLst>
+                        <p:par>
+                          <p:cTn id="19" fill="hold">
+                            <p:stCondLst>
+                              <p:cond delay="0"/>
+                            </p:stCondLst>
+                            <p:childTnLst>
+                              <p:par>
+                                <p:cTn id="20" presetID="10" presetClass="entr" presetSubtype="0" fill="hold" grpId="0" nodeType="clickEffect">
+                                  <p:stCondLst>
+                                    <p:cond delay="0"/>
+                                  </p:stCondLst>
+                                  <p:childTnLst>
+                                    <p:set>
+                                      <p:cBhvr>
+                                        <p:cTn id="21" dur="1" fill="hold">
+                                          <p:stCondLst>
+                                            <p:cond delay="0"/>
+                                          </p:stCondLst>
+                                        </p:cTn>
+                                        <p:tgtEl>
+                                          <p:spTgt spid="3">
+                                            <p:txEl>
+                                              <p:pRg st="3" end="3"/>
+                                            </p:txEl>
+                                          </p:spTgt>
+                                        </p:tgtEl>
+                                        <p:attrNameLst>
+                                          <p:attrName>style.visibility</p:attrName>
+                                        </p:attrNameLst>
+                                      </p:cBhvr>
+                                      <p:to>
+                                        <p:strVal val="visible"/>
+                                      </p:to>
+                                    </p:set>
+                                    <p:animEffect transition="in" filter="fade">
+                                      <p:cBhvr>
+                                        <p:cTn id="22" dur="500"/>
+                                        <p:tgtEl>
+                                          <p:spTgt spid="3">
+                                            <p:txEl>
+                                              <p:pRg st="3" end="3"/>
+                                            </p:txEl>
+                                          </p:spTgt>
+                                        </p:tgtEl>
+                                      </p:cBhvr>
+                                    </p:animEffect>
+                                  </p:childTnLst>
+                                </p:cTn>
+                              </p:par>
+                            </p:childTnLst>
+                          </p:cTn>
+                        </p:par>
+                      </p:childTnLst>
+                    </p:cTn>
+                  </p:par>
+                  <p:par>
+                    <p:cTn id="23" fill="hold">
+                      <p:stCondLst>
+                        <p:cond delay="indefinite"/>
+                      </p:stCondLst>
+                      <p:childTnLst>
+                        <p:par>
+                          <p:cTn id="24" fill="hold">
+                            <p:stCondLst>
+                              <p:cond delay="0"/>
+                            </p:stCondLst>
+                            <p:childTnLst>
+                              <p:par>
+                                <p:cTn id="25" presetID="10" presetClass="entr" presetSubtype="0" fill="hold" grpId="0" nodeType="clickEffect">
+                                  <p:stCondLst>
+                                    <p:cond delay="0"/>
+                                  </p:stCondLst>
+                                  <p:childTnLst>
+                                    <p:set>
+                                      <p:cBhvr>
+                                        <p:cTn id="26" dur="1" fill="hold">
+                                          <p:stCondLst>
+                                            <p:cond delay="0"/>
+                                          </p:stCondLst>
+                                        </p:cTn>
+                                        <p:tgtEl>
+                                          <p:spTgt spid="3">
+                                            <p:txEl>
+                                              <p:pRg st="4" end="4"/>
+                                            </p:txEl>
+                                          </p:spTgt>
+                                        </p:tgtEl>
+                                        <p:attrNameLst>
+                                          <p:attrName>style.visibility</p:attrName>
+                                        </p:attrNameLst>
+                                      </p:cBhvr>
+                                      <p:to>
+                                        <p:strVal val="visible"/>
+                                      </p:to>
+                                    </p:set>
+                                    <p:animEffect transition="in" filter="fade">
+                                      <p:cBhvr>
+                                        <p:cTn id="27" dur="500"/>
+                                        <p:tgtEl>
+                                          <p:spTgt spid="3">
+                                            <p:txEl>
+                                              <p:pRg st="4" end="4"/>
+                                            </p:txEl>
+                                          </p:spTgt>
+                                        </p:tgtEl>
+                                      </p:cBhvr>
+                                    </p:animEffect>
+                                  </p:childTnLst>
+                                </p:cTn>
+                              </p:par>
+                            </p:childTnLst>
+                          </p:cTn>
+                        </p:par>
+                      </p:childTnLst>
+                    </p:cTn>
+                  </p:par>
+                  <p:par>
+                    <p:cTn id="28" fill="hold">
+                      <p:stCondLst>
+                        <p:cond delay="indefinite"/>
+                      </p:stCondLst>
+                      <p:childTnLst>
+                        <p:par>
+                          <p:cTn id="29" fill="hold">
+                            <p:stCondLst>
+                              <p:cond delay="0"/>
+                            </p:stCondLst>
+                            <p:childTnLst>
+                              <p:par>
+                                <p:cTn id="30" presetID="10" presetClass="entr" presetSubtype="0" fill="hold" grpId="0" nodeType="clickEffect">
+                                  <p:stCondLst>
+                                    <p:cond delay="0"/>
+                                  </p:stCondLst>
+                                  <p:childTnLst>
+                                    <p:set>
+                                      <p:cBhvr>
+                                        <p:cTn id="31" dur="1" fill="hold">
+                                          <p:stCondLst>
+                                            <p:cond delay="0"/>
+                                          </p:stCondLst>
+                                        </p:cTn>
+                                        <p:tgtEl>
+                                          <p:spTgt spid="3">
+                                            <p:txEl>
+                                              <p:pRg st="5" end="5"/>
+                                            </p:txEl>
+                                          </p:spTgt>
+                                        </p:tgtEl>
+                                        <p:attrNameLst>
+                                          <p:attrName>style.visibility</p:attrName>
+                                        </p:attrNameLst>
+                                      </p:cBhvr>
+                                      <p:to>
+                                        <p:strVal val="visible"/>
+                                      </p:to>
+                                    </p:set>
+                                    <p:animEffect transition="in" filter="fade">
+                                      <p:cBhvr>
+                                        <p:cTn id="32" dur="500"/>
+                                        <p:tgtEl>
+                                          <p:spTgt spid="3">
+                                            <p:txEl>
+                                              <p:pRg st="5" end="5"/>
+                                            </p:txEl>
+                                          </p:spTgt>
+                                        </p:tgtEl>
+                                      </p:cBhvr>
+                                    </p:animEffect>
+                                  </p:childTnLst>
+                                </p:cTn>
+                              </p:par>
+                            </p:childTnLst>
+                          </p:cTn>
+                        </p:par>
+                      </p:childTnLst>
+                    </p:cTn>
+                  </p:par>
+                  <p:par>
+                    <p:cTn id="33" fill="hold">
+                      <p:stCondLst>
+                        <p:cond delay="indefinite"/>
+                      </p:stCondLst>
+                      <p:childTnLst>
+                        <p:par>
+                          <p:cTn id="34" fill="hold">
+                            <p:stCondLst>
+                              <p:cond delay="0"/>
+                            </p:stCondLst>
+                            <p:childTnLst>
+                              <p:par>
+                                <p:cTn id="35" presetID="10" presetClass="entr" presetSubtype="0" fill="hold" grpId="0" nodeType="clickEffect">
+                                  <p:stCondLst>
+                                    <p:cond delay="0"/>
+                                  </p:stCondLst>
+                                  <p:childTnLst>
+                                    <p:set>
+                                      <p:cBhvr>
+                                        <p:cTn id="36" dur="1" fill="hold">
+                                          <p:stCondLst>
+                                            <p:cond delay="0"/>
+                                          </p:stCondLst>
+                                        </p:cTn>
+                                        <p:tgtEl>
+                                          <p:spTgt spid="3">
+                                            <p:txEl>
+                                              <p:pRg st="6" end="6"/>
+                                            </p:txEl>
+                                          </p:spTgt>
+                                        </p:tgtEl>
+                                        <p:attrNameLst>
+                                          <p:attrName>style.visibility</p:attrName>
+                                        </p:attrNameLst>
+                                      </p:cBhvr>
+                                      <p:to>
+                                        <p:strVal val="visible"/>
+                                      </p:to>
+                                    </p:set>
+                                    <p:animEffect transition="in" filter="fade">
+                                      <p:cBhvr>
+                                        <p:cTn id="37" dur="500"/>
+                                        <p:tgtEl>
+                                          <p:spTgt spid="3">
+                                            <p:txEl>
+                                              <p:pRg st="6" end="6"/>
+                                            </p:txEl>
+                                          </p:spTgt>
+                                        </p:tgtEl>
+                                      </p:cBhvr>
+                                    </p:animEffect>
+                                  </p:childTnLst>
+                                </p:cTn>
+                              </p:par>
+                            </p:childTnLst>
+                          </p:cTn>
+                        </p:par>
+                      </p:childTnLst>
+                    </p:cTn>
+                  </p:par>
+                </p:childTnLst>
+              </p:cTn>
+              <p:prevCondLst>
+                <p:cond evt="onPrev" delay="0">
+                  <p:tgtEl>
+                    <p:sldTgt/>
+                  </p:tgtEl>
+                </p:cond>
+              </p:prevCondLst>
+              <p:nextCondLst>
+                <p:cond evt="onNext" delay="0">
+                  <p:tgtEl>
+                    <p:sldTgt/>
+                  </p:tgtEl>
+                </p:cond>
+              </p:nextCondLst>
+            </p:seq>
+          </p:childTnLst>
+        </p:cTn>
+      </p:par>
+    </p:tnLst>
+    <p:bldLst>
+      <p:bldP spid="3" grpId="0" build="p"/>
+    </p:bldLst>
+  </p:timing>
+</p:sld>
+</file>
+
+<file path=ppt/slides/slide8.xml><?xml version="1.0" encoding="utf-8"?>
+<p:sld xmlns:a="http://schemas.openxmlformats.org/drawingml/2006/main" xmlns:r="http://schemas.openxmlformats.org/officeDocument/2006/relationships" xmlns:p="http://schemas.openxmlformats.org/presentationml/2006/main">
+  <p:cSld>
+    <p:spTree>
+      <p:nvGrpSpPr>
+        <p:cNvPr id="1" name=""/>
+        <p:cNvGrpSpPr/>
+        <p:nvPr/>
+      </p:nvGrpSpPr>
+      <p:grpSpPr>
+        <a:xfrm>
+          <a:off x="0" y="0"/>
+          <a:ext cx="0" cy="0"/>
+          <a:chOff x="0" y="0"/>
+          <a:chExt cx="0" cy="0"/>
+        </a:xfrm>
+      </p:grpSpPr>
+      <p:sp>
+        <p:nvSpPr>
+          <p:cNvPr id="2" name="Title 1"/>
+          <p:cNvSpPr>
+            <a:spLocks noGrp="1"/>
+          </p:cNvSpPr>
+          <p:nvPr>
+            <p:ph type="title"/>
+          </p:nvPr>
+        </p:nvSpPr>
+        <p:spPr/>
+        <p:txBody>
+          <a:bodyPr/>
+          <a:lstStyle/>
+          <a:p>
+            <a:r>
+              <a:rPr lang="en-US" dirty="0" smtClean="0"/>
+              <a:t>Combination example #1</a:t>
+            </a:r>
+            <a:endParaRPr lang="en-US" dirty="0"/>
+          </a:p>
+        </p:txBody>
+      </p:sp>
+      <p:sp>
+        <p:nvSpPr>
+          <p:cNvPr id="3" name="Content Placeholder 2"/>
+          <p:cNvSpPr>
+            <a:spLocks noGrp="1"/>
+          </p:cNvSpPr>
+          <p:nvPr>
+            <p:ph idx="1"/>
+          </p:nvPr>
+        </p:nvSpPr>
+        <p:spPr/>
+        <p:txBody>
+          <a:bodyPr/>
+          <a:lstStyle/>
+          <a:p>
+            <a:r>
+              <a:rPr lang="en-US" dirty="0" smtClean="0"/>
+              <a:t>How many different hands of 5 cards can you be dealt from a deck of 52 cards?</a:t>
+            </a:r>
+          </a:p>
+          <a:p>
+            <a:r>
+              <a:rPr lang="en-US" dirty="0" smtClean="0"/>
+              <a:t>This is a combination question because order does not matter</a:t>
+            </a:r>
+          </a:p>
+          <a:p>
+            <a:r>
+              <a:rPr lang="en-US" dirty="0" smtClean="0"/>
+              <a:t>C(52,5)</a:t>
+            </a:r>
+          </a:p>
+          <a:p>
+            <a:pPr lvl="1"/>
+            <a:r>
+              <a:rPr lang="en-US" dirty="0" smtClean="0"/>
+              <a:t>52! / [5!(52-5)!</a:t>
+            </a:r>
+          </a:p>
+          <a:p>
+            <a:pPr lvl="1"/>
+            <a:r>
+              <a:rPr lang="en-US" dirty="0" smtClean="0"/>
+              <a:t>52! / 5!(47!)</a:t>
+            </a:r>
+          </a:p>
+          <a:p>
+            <a:pPr lvl="1"/>
+            <a:r>
+              <a:rPr lang="en-US" dirty="0" smtClean="0"/>
+              <a:t>52 * 51 * 50 * 49 * 48 / 5!</a:t>
+            </a:r>
+            <a:endParaRPr lang="en-US" dirty="0"/>
+          </a:p>
+        </p:txBody>
+      </p:sp>
+    </p:spTree>
+    <p:extLst>
+      <p:ext uri="{BB962C8B-B14F-4D97-AF65-F5344CB8AC3E}">
+        <p14:creationId xmlns:p14="http://schemas.microsoft.com/office/powerpoint/2010/main" val="3027864222"/>
+      </p:ext>
+    </p:extLst>
+  </p:cSld>
+  <p:clrMapOvr>
+    <a:masterClrMapping/>
+  </p:clrMapOvr>
+  <p:timing>
+    <p:tnLst>
+      <p:par>
+        <p:cTn id="1" dur="indefinite" restart="never" nodeType="tmRoot">
+          <p:childTnLst>
+            <p:seq concurrent="1" nextAc="seek">
+              <p:cTn id="2" dur="indefinite" nodeType="mainSeq">
+                <p:childTnLst>
+                  <p:par>
+                    <p:cTn id="3" fill="hold">
+                      <p:stCondLst>
+                        <p:cond delay="indefinite"/>
+                      </p:stCondLst>
+                      <p:childTnLst>
+                        <p:par>
+                          <p:cTn id="4" fill="hold">
+                            <p:stCondLst>
+                              <p:cond delay="0"/>
+                            </p:stCondLst>
+                            <p:childTnLst>
+                              <p:par>
+                                <p:cTn id="5" presetID="10" presetClass="entr" presetSubtype="0" fill="hold" grpId="0" nodeType="clickEffect">
+                                  <p:stCondLst>
+                                    <p:cond delay="0"/>
+                                  </p:stCondLst>
+                                  <p:childTnLst>
+                                    <p:set>
+                                      <p:cBhvr>
+                                        <p:cTn id="6" dur="1" fill="hold">
+                                          <p:stCondLst>
+                                            <p:cond delay="0"/>
+                                          </p:stCondLst>
+                                        </p:cTn>
+                                        <p:tgtEl>
+                                          <p:spTgt spid="3">
+                                            <p:txEl>
+                                              <p:pRg st="0" end="0"/>
+                                            </p:txEl>
+                                          </p:spTgt>
+                                        </p:tgtEl>
+                                        <p:attrNameLst>
+                                          <p:attrName>style.visibility</p:attrName>
+                                        </p:attrNameLst>
+                                      </p:cBhvr>
+                                      <p:to>
+                                        <p:strVal val="visible"/>
+                                      </p:to>
+                                    </p:set>
+                                    <p:animEffect transition="in" filter="fade">
+                                      <p:cBhvr>
+                                        <p:cTn id="7" dur="500"/>
+                                        <p:tgtEl>
+                                          <p:spTgt spid="3">
+                                            <p:txEl>
+                                              <p:pRg st="0" end="0"/>
+                                            </p:txEl>
+                                          </p:spTgt>
+                                        </p:tgtEl>
+                                      </p:cBhvr>
+                                    </p:animEffect>
+                                  </p:childTnLst>
+                                </p:cTn>
+                              </p:par>
+                            </p:childTnLst>
+                          </p:cTn>
+                        </p:par>
+                      </p:childTnLst>
+                    </p:cTn>
+                  </p:par>
+                  <p:par>
+                    <p:cTn id="8" fill="hold">
+                      <p:stCondLst>
+                        <p:cond delay="indefinite"/>
+                      </p:stCondLst>
+                      <p:childTnLst>
+                        <p:par>
+                          <p:cTn id="9" fill="hold">
+                            <p:stCondLst>
+                              <p:cond delay="0"/>
+                            </p:stCondLst>
+                            <p:childTnLst>
+                              <p:par>
+                                <p:cTn id="10" presetID="10" presetClass="entr" presetSubtype="0" fill="hold" grpId="0" nodeType="clickEffect">
+                                  <p:stCondLst>
+                                    <p:cond delay="0"/>
+                                  </p:stCondLst>
+                                  <p:childTnLst>
+                                    <p:set>
+                                      <p:cBhvr>
+                                        <p:cTn id="11" dur="1" fill="hold">
+                                          <p:stCondLst>
+                                            <p:cond delay="0"/>
+                                          </p:stCondLst>
+                                        </p:cTn>
+                                        <p:tgtEl>
+                                          <p:spTgt spid="3">
+                                            <p:txEl>
+                                              <p:pRg st="1" end="1"/>
+                                            </p:txEl>
+                                          </p:spTgt>
+                                        </p:tgtEl>
+                                        <p:attrNameLst>
+                                          <p:attrName>style.visibility</p:attrName>
+                                        </p:attrNameLst>
+                                      </p:cBhvr>
+                                      <p:to>
+                                        <p:strVal val="visible"/>
+                                      </p:to>
+                                    </p:set>
+                                    <p:animEffect transition="in" filter="fade">
+                                      <p:cBhvr>
+                                        <p:cTn id="12" dur="500"/>
+                                        <p:tgtEl>
+                                          <p:spTgt spid="3">
+                                            <p:txEl>
+                                              <p:pRg st="1" end="1"/>
+                                            </p:txEl>
+                                          </p:spTgt>
+                                        </p:tgtEl>
+                                      </p:cBhvr>
+                                    </p:animEffect>
+                                  </p:childTnLst>
+                                </p:cTn>
+                              </p:par>
+                            </p:childTnLst>
+                          </p:cTn>
+                        </p:par>
+                      </p:childTnLst>
+                    </p:cTn>
+                  </p:par>
+                  <p:par>
+                    <p:cTn id="13" fill="hold">
+                      <p:stCondLst>
+                        <p:cond delay="indefinite"/>
+                      </p:stCondLst>
+                      <p:childTnLst>
+                        <p:par>
+                          <p:cTn id="14" fill="hold">
+                            <p:stCondLst>
+                              <p:cond delay="0"/>
+                            </p:stCondLst>
+                            <p:childTnLst>
+                              <p:par>
+                                <p:cTn id="15" presetID="10" presetClass="entr" presetSubtype="0" fill="hold" grpId="0" nodeType="clickEffect">
+                                  <p:stCondLst>
+                                    <p:cond delay="0"/>
+                                  </p:stCondLst>
+                                  <p:childTnLst>
+                                    <p:set>
+                                      <p:cBhvr>
+                                        <p:cTn id="16" dur="1" fill="hold">
+                                          <p:stCondLst>
+                                            <p:cond delay="0"/>
+                                          </p:stCondLst>
+                                        </p:cTn>
+                                        <p:tgtEl>
+                                          <p:spTgt spid="3">
+                                            <p:txEl>
+                                              <p:pRg st="2" end="2"/>
+                                            </p:txEl>
+                                          </p:spTgt>
+                                        </p:tgtEl>
+                                        <p:attrNameLst>
+                                          <p:attrName>style.visibility</p:attrName>
+                                        </p:attrNameLst>
+                                      </p:cBhvr>
+                                      <p:to>
+                                        <p:strVal val="visible"/>
+                                      </p:to>
+                                    </p:set>
+                                    <p:animEffect transition="in" filter="fade">
+                                      <p:cBhvr>
+                                        <p:cTn id="17" dur="500"/>
+                                        <p:tgtEl>
+                                          <p:spTgt spid="3">
+                                            <p:txEl>
+                                              <p:pRg st="2" end="2"/>
+                                            </p:txEl>
+                                          </p:spTgt>
+                                        </p:tgtEl>
+                                      </p:cBhvr>
+                                    </p:animEffect>
+                                  </p:childTnLst>
+                                </p:cTn>
+                              </p:par>
+                            </p:childTnLst>
+                          </p:cTn>
+                        </p:par>
+                      </p:childTnLst>
+                    </p:cTn>
+                  </p:par>
+                  <p:par>
+                    <p:cTn id="18" fill="hold">
+                      <p:stCondLst>
+                        <p:cond delay="indefinite"/>
+                      </p:stCondLst>
+                      <p:childTnLst>
+                        <p:par>
+                          <p:cTn id="19" fill="hold">
+                            <p:stCondLst>
+                              <p:cond delay="0"/>
+                            </p:stCondLst>
+                            <p:childTnLst>
+                              <p:par>
+                                <p:cTn id="20" presetID="10" presetClass="entr" presetSubtype="0" fill="hold" grpId="0" nodeType="clickEffect">
+                                  <p:stCondLst>
+                                    <p:cond delay="0"/>
+                                  </p:stCondLst>
+                                  <p:childTnLst>
+                                    <p:set>
+                                      <p:cBhvr>
+                                        <p:cTn id="21" dur="1" fill="hold">
+                                          <p:stCondLst>
+                                            <p:cond delay="0"/>
+                                          </p:stCondLst>
+                                        </p:cTn>
+                                        <p:tgtEl>
+                                          <p:spTgt spid="3">
+                                            <p:txEl>
+                                              <p:pRg st="3" end="3"/>
+                                            </p:txEl>
+                                          </p:spTgt>
+                                        </p:tgtEl>
+                                        <p:attrNameLst>
+                                          <p:attrName>style.visibility</p:attrName>
+                                        </p:attrNameLst>
+                                      </p:cBhvr>
+                                      <p:to>
+                                        <p:strVal val="visible"/>
+                                      </p:to>
+                                    </p:set>
+                                    <p:animEffect transition="in" filter="fade">
+                                      <p:cBhvr>
+                                        <p:cTn id="22" dur="500"/>
+                                        <p:tgtEl>
+                                          <p:spTgt spid="3">
+                                            <p:txEl>
+                                              <p:pRg st="3" end="3"/>
+                                            </p:txEl>
+                                          </p:spTgt>
+                                        </p:tgtEl>
+                                      </p:cBhvr>
+                                    </p:animEffect>
+                                  </p:childTnLst>
+                                </p:cTn>
+                              </p:par>
+                            </p:childTnLst>
+                          </p:cTn>
+                        </p:par>
+                      </p:childTnLst>
+                    </p:cTn>
+                  </p:par>
+                  <p:par>
+                    <p:cTn id="23" fill="hold">
+                      <p:stCondLst>
+                        <p:cond delay="indefinite"/>
+                      </p:stCondLst>
+                      <p:childTnLst>
+                        <p:par>
+                          <p:cTn id="24" fill="hold">
+                            <p:stCondLst>
+                              <p:cond delay="0"/>
+                            </p:stCondLst>
+                            <p:childTnLst>
+                              <p:par>
+                                <p:cTn id="25" presetID="10" presetClass="entr" presetSubtype="0" fill="hold" grpId="0" nodeType="clickEffect">
+                                  <p:stCondLst>
+                                    <p:cond delay="0"/>
+                                  </p:stCondLst>
+                                  <p:childTnLst>
+                                    <p:set>
+                                      <p:cBhvr>
+                                        <p:cTn id="26" dur="1" fill="hold">
+                                          <p:stCondLst>
+                                            <p:cond delay="0"/>
+                                          </p:stCondLst>
+                                        </p:cTn>
+                                        <p:tgtEl>
+                                          <p:spTgt spid="3">
+                                            <p:txEl>
+                                              <p:pRg st="4" end="4"/>
+                                            </p:txEl>
+                                          </p:spTgt>
+                                        </p:tgtEl>
+                                        <p:attrNameLst>
+                                          <p:attrName>style.visibility</p:attrName>
+                                        </p:attrNameLst>
+                                      </p:cBhvr>
+                                      <p:to>
+                                        <p:strVal val="visible"/>
+                                      </p:to>
+                                    </p:set>
+                                    <p:animEffect transition="in" filter="fade">
+                                      <p:cBhvr>
+                                        <p:cTn id="27" dur="500"/>
+                                        <p:tgtEl>
+                                          <p:spTgt spid="3">
+                                            <p:txEl>
+                                              <p:pRg st="4" end="4"/>
+                                            </p:txEl>
+                                          </p:spTgt>
+                                        </p:tgtEl>
+                                      </p:cBhvr>
+                                    </p:animEffect>
+                                  </p:childTnLst>
+                                </p:cTn>
+                              </p:par>
+                            </p:childTnLst>
+                          </p:cTn>
+                        </p:par>
+                      </p:childTnLst>
+                    </p:cTn>
+                  </p:par>
+                  <p:par>
+                    <p:cTn id="28" fill="hold">
+                      <p:stCondLst>
+                        <p:cond delay="indefinite"/>
+                      </p:stCondLst>
+                      <p:childTnLst>
+                        <p:par>
+                          <p:cTn id="29" fill="hold">
+                            <p:stCondLst>
+                              <p:cond delay="0"/>
+                            </p:stCondLst>
+                            <p:childTnLst>
+                              <p:par>
+                                <p:cTn id="30" presetID="10" presetClass="entr" presetSubtype="0" fill="hold" grpId="0" nodeType="clickEffect">
+                                  <p:stCondLst>
+                                    <p:cond delay="0"/>
+                                  </p:stCondLst>
+                                  <p:childTnLst>
+                                    <p:set>
+                                      <p:cBhvr>
+                                        <p:cTn id="31" dur="1" fill="hold">
+                                          <p:stCondLst>
+                                            <p:cond delay="0"/>
+                                          </p:stCondLst>
+                                        </p:cTn>
+                                        <p:tgtEl>
+                                          <p:spTgt spid="3">
+                                            <p:txEl>
+                                              <p:pRg st="5" end="5"/>
+                                            </p:txEl>
+                                          </p:spTgt>
+                                        </p:tgtEl>
+                                        <p:attrNameLst>
+                                          <p:attrName>style.visibility</p:attrName>
+                                        </p:attrNameLst>
+                                      </p:cBhvr>
+                                      <p:to>
+                                        <p:strVal val="visible"/>
+                                      </p:to>
+                                    </p:set>
+                                    <p:animEffect transition="in" filter="fade">
+                                      <p:cBhvr>
+                                        <p:cTn id="32" dur="500"/>
+                                        <p:tgtEl>
+                                          <p:spTgt spid="3">
+                                            <p:txEl>
+                                              <p:pRg st="5" end="5"/>
+                                            </p:txEl>
+                                          </p:spTgt>
+                                        </p:tgtEl>
+                                      </p:cBhvr>
+                                    </p:animEffect>
+                                  </p:childTnLst>
+                                </p:cTn>
+                              </p:par>
+                            </p:childTnLst>
+                          </p:cTn>
+                        </p:par>
+                      </p:childTnLst>
+                    </p:cTn>
+                  </p:par>
+                </p:childTnLst>
+              </p:cTn>
+              <p:prevCondLst>
+                <p:cond evt="onPrev" delay="0">
+                  <p:tgtEl>
+                    <p:sldTgt/>
+                  </p:tgtEl>
+                </p:cond>
+              </p:prevCondLst>
+              <p:nextCondLst>
+                <p:cond evt="onNext" delay="0">
+                  <p:tgtEl>
+                    <p:sldTgt/>
+                  </p:tgtEl>
+                </p:cond>
+              </p:nextCondLst>
+            </p:seq>
+          </p:childTnLst>
+        </p:cTn>
+      </p:par>
+    </p:tnLst>
+    <p:bldLst>
+      <p:bldP spid="3" grpId="0" build="p"/>
+    </p:bldLst>
+  </p:timing>
+</p:sld>
+</file>
+
+<file path=ppt/slides/slide9.xml><?xml version="1.0" encoding="utf-8"?>
+<p:sld xmlns:a="http://schemas.openxmlformats.org/drawingml/2006/main" xmlns:r="http://schemas.openxmlformats.org/officeDocument/2006/relationships" xmlns:p="http://schemas.openxmlformats.org/presentationml/2006/main">
+  <p:cSld>
+    <p:spTree>
+      <p:nvGrpSpPr>
+        <p:cNvPr id="1" name=""/>
+        <p:cNvGrpSpPr/>
+        <p:nvPr/>
+      </p:nvGrpSpPr>
+      <p:grpSpPr>
+        <a:xfrm>
+          <a:off x="0" y="0"/>
+          <a:ext cx="0" cy="0"/>
+          <a:chOff x="0" y="0"/>
+          <a:chExt cx="0" cy="0"/>
+        </a:xfrm>
+      </p:grpSpPr>
+      <p:sp>
+        <p:nvSpPr>
+          <p:cNvPr id="2" name="Title 1"/>
+          <p:cNvSpPr>
+            <a:spLocks noGrp="1"/>
+          </p:cNvSpPr>
+          <p:nvPr>
+            <p:ph type="title"/>
+          </p:nvPr>
+        </p:nvSpPr>
+        <p:spPr/>
+        <p:txBody>
+          <a:bodyPr/>
+          <a:lstStyle/>
+          <a:p>
+            <a:r>
+              <a:rPr lang="en-US" dirty="0" smtClean="0"/>
+              <a:t>Combination example #2</a:t>
+            </a:r>
+            <a:endParaRPr lang="en-US" dirty="0"/>
+          </a:p>
+        </p:txBody>
+      </p:sp>
+      <p:sp>
+        <p:nvSpPr>
+          <p:cNvPr id="3" name="Content Placeholder 2"/>
+          <p:cNvSpPr>
+            <a:spLocks noGrp="1"/>
+          </p:cNvSpPr>
+          <p:nvPr>
+            <p:ph idx="1"/>
+          </p:nvPr>
+        </p:nvSpPr>
+        <p:spPr/>
+        <p:txBody>
+          <a:bodyPr>
+            <a:normAutofit lnSpcReduction="10000"/>
+          </a:bodyPr>
+          <a:lstStyle/>
+          <a:p>
+            <a:r>
+              <a:rPr lang="en-US" dirty="0" smtClean="0"/>
+              <a:t>How many different ways can I give out 10 A’s in a classroom of 30 students?</a:t>
+            </a:r>
+          </a:p>
+          <a:p>
+            <a:r>
+              <a:rPr lang="en-US" dirty="0" smtClean="0"/>
+              <a:t>Order doesn’t matter… right?</a:t>
+            </a:r>
+          </a:p>
+          <a:p>
+            <a:r>
+              <a:rPr lang="en-US" dirty="0" smtClean="0"/>
+              <a:t>C(30,10) = 30! / [10!(30-10)!]</a:t>
+            </a:r>
+            <a:r>
+              <a:rPr lang="en-US" dirty="0"/>
+              <a:t> </a:t>
+            </a:r>
+            <a:r>
+              <a:rPr lang="en-US" dirty="0" smtClean="0"/>
+              <a:t>= 30! / [10!(20)!]</a:t>
+            </a:r>
+          </a:p>
+          <a:p>
+            <a:r>
+              <a:rPr lang="en-US" dirty="0" smtClean="0"/>
+              <a:t>You have $3 and you are ordering dinner off the $1 menu, which has 10 items on it.  Assuming you have no desire to get the same item more than once, how many different meal options do you have?</a:t>
+            </a:r>
+          </a:p>
+          <a:p>
+            <a:r>
+              <a:rPr lang="en-US" dirty="0" smtClean="0"/>
+              <a:t>C(10,3) = 10! / [3!(10-3)!] = 10! / 3!(7)! = 10 * 9 * 8 / 3 = 10*3*8 = 240</a:t>
+            </a:r>
+          </a:p>
+        </p:txBody>
+      </p:sp>
+    </p:spTree>
+    <p:extLst>
+      <p:ext uri="{BB962C8B-B14F-4D97-AF65-F5344CB8AC3E}">
+        <p14:creationId xmlns:p14="http://schemas.microsoft.com/office/powerpoint/2010/main" val="1628261254"/>
       </p:ext>
     </p:extLst>
   </p:cSld>
